--- a/Presentation1.pptx
+++ b/Presentation1.pptx
@@ -673,7 +673,7 @@
           <a:p>
             <a:fld id="{5CE112B4-F816-48F8-B9B7-203DD44EA2BD}" type="datetimeFigureOut">
               <a:rPr lang="ko-KR" altLang="en-US" smtClean="0"/>
-              <a:t>2021-07-25</a:t>
+              <a:t>2021-07-28</a:t>
             </a:fld>
             <a:endParaRPr lang="ko-KR" altLang="en-US"/>
           </a:p>
@@ -873,7 +873,7 @@
           <a:p>
             <a:fld id="{5CE112B4-F816-48F8-B9B7-203DD44EA2BD}" type="datetimeFigureOut">
               <a:rPr lang="ko-KR" altLang="en-US" smtClean="0"/>
-              <a:t>2021-07-25</a:t>
+              <a:t>2021-07-28</a:t>
             </a:fld>
             <a:endParaRPr lang="ko-KR" altLang="en-US"/>
           </a:p>
@@ -1083,7 +1083,7 @@
           <a:p>
             <a:fld id="{5CE112B4-F816-48F8-B9B7-203DD44EA2BD}" type="datetimeFigureOut">
               <a:rPr lang="ko-KR" altLang="en-US" smtClean="0"/>
-              <a:t>2021-07-25</a:t>
+              <a:t>2021-07-28</a:t>
             </a:fld>
             <a:endParaRPr lang="ko-KR" altLang="en-US"/>
           </a:p>
@@ -1283,7 +1283,7 @@
           <a:p>
             <a:fld id="{5CE112B4-F816-48F8-B9B7-203DD44EA2BD}" type="datetimeFigureOut">
               <a:rPr lang="ko-KR" altLang="en-US" smtClean="0"/>
-              <a:t>2021-07-25</a:t>
+              <a:t>2021-07-28</a:t>
             </a:fld>
             <a:endParaRPr lang="ko-KR" altLang="en-US"/>
           </a:p>
@@ -1559,7 +1559,7 @@
           <a:p>
             <a:fld id="{5CE112B4-F816-48F8-B9B7-203DD44EA2BD}" type="datetimeFigureOut">
               <a:rPr lang="ko-KR" altLang="en-US" smtClean="0"/>
-              <a:t>2021-07-25</a:t>
+              <a:t>2021-07-28</a:t>
             </a:fld>
             <a:endParaRPr lang="ko-KR" altLang="en-US"/>
           </a:p>
@@ -1827,7 +1827,7 @@
           <a:p>
             <a:fld id="{5CE112B4-F816-48F8-B9B7-203DD44EA2BD}" type="datetimeFigureOut">
               <a:rPr lang="ko-KR" altLang="en-US" smtClean="0"/>
-              <a:t>2021-07-25</a:t>
+              <a:t>2021-07-28</a:t>
             </a:fld>
             <a:endParaRPr lang="ko-KR" altLang="en-US"/>
           </a:p>
@@ -2242,7 +2242,7 @@
           <a:p>
             <a:fld id="{5CE112B4-F816-48F8-B9B7-203DD44EA2BD}" type="datetimeFigureOut">
               <a:rPr lang="ko-KR" altLang="en-US" smtClean="0"/>
-              <a:t>2021-07-25</a:t>
+              <a:t>2021-07-28</a:t>
             </a:fld>
             <a:endParaRPr lang="ko-KR" altLang="en-US"/>
           </a:p>
@@ -2384,7 +2384,7 @@
           <a:p>
             <a:fld id="{5CE112B4-F816-48F8-B9B7-203DD44EA2BD}" type="datetimeFigureOut">
               <a:rPr lang="ko-KR" altLang="en-US" smtClean="0"/>
-              <a:t>2021-07-25</a:t>
+              <a:t>2021-07-28</a:t>
             </a:fld>
             <a:endParaRPr lang="ko-KR" altLang="en-US"/>
           </a:p>
@@ -2497,7 +2497,7 @@
           <a:p>
             <a:fld id="{5CE112B4-F816-48F8-B9B7-203DD44EA2BD}" type="datetimeFigureOut">
               <a:rPr lang="ko-KR" altLang="en-US" smtClean="0"/>
-              <a:t>2021-07-25</a:t>
+              <a:t>2021-07-28</a:t>
             </a:fld>
             <a:endParaRPr lang="ko-KR" altLang="en-US"/>
           </a:p>
@@ -2810,7 +2810,7 @@
           <a:p>
             <a:fld id="{5CE112B4-F816-48F8-B9B7-203DD44EA2BD}" type="datetimeFigureOut">
               <a:rPr lang="ko-KR" altLang="en-US" smtClean="0"/>
-              <a:t>2021-07-25</a:t>
+              <a:t>2021-07-28</a:t>
             </a:fld>
             <a:endParaRPr lang="ko-KR" altLang="en-US"/>
           </a:p>
@@ -3099,7 +3099,7 @@
           <a:p>
             <a:fld id="{5CE112B4-F816-48F8-B9B7-203DD44EA2BD}" type="datetimeFigureOut">
               <a:rPr lang="ko-KR" altLang="en-US" smtClean="0"/>
-              <a:t>2021-07-25</a:t>
+              <a:t>2021-07-28</a:t>
             </a:fld>
             <a:endParaRPr lang="ko-KR" altLang="en-US"/>
           </a:p>
@@ -3342,7 +3342,7 @@
           <a:p>
             <a:fld id="{5CE112B4-F816-48F8-B9B7-203DD44EA2BD}" type="datetimeFigureOut">
               <a:rPr lang="ko-KR" altLang="en-US" smtClean="0"/>
-              <a:t>2021-07-25</a:t>
+              <a:t>2021-07-28</a:t>
             </a:fld>
             <a:endParaRPr lang="ko-KR" altLang="en-US"/>
           </a:p>
@@ -5485,6 +5485,58 @@
           <a:p>
             <a:pPr algn="ctr"/>
             <a:endParaRPr lang="ko-KR" altLang="en-US" dirty="0"/>
+          </a:p>
+        </p:txBody>
+      </p:sp>
+      <p:sp>
+        <p:nvSpPr>
+          <p:cNvPr id="6" name="Oval 5">
+            <a:extLst>
+              <a:ext uri="{FF2B5EF4-FFF2-40B4-BE49-F238E27FC236}">
+                <a16:creationId xmlns:a16="http://schemas.microsoft.com/office/drawing/2014/main" id="{26293651-BD65-4C38-A451-8CEE7311DCFA}"/>
+              </a:ext>
+            </a:extLst>
+          </p:cNvPr>
+          <p:cNvSpPr/>
+          <p:nvPr/>
+        </p:nvSpPr>
+        <p:spPr>
+          <a:xfrm>
+            <a:off x="1098468" y="3574473"/>
+            <a:ext cx="237506" cy="225631"/>
+          </a:xfrm>
+          <a:prstGeom prst="ellipse">
+            <a:avLst/>
+          </a:prstGeom>
+          <a:solidFill>
+            <a:srgbClr val="FF0000"/>
+          </a:solidFill>
+          <a:ln>
+            <a:noFill/>
+          </a:ln>
+        </p:spPr>
+        <p:style>
+          <a:lnRef idx="2">
+            <a:schemeClr val="accent1">
+              <a:shade val="50000"/>
+            </a:schemeClr>
+          </a:lnRef>
+          <a:fillRef idx="1">
+            <a:schemeClr val="accent1"/>
+          </a:fillRef>
+          <a:effectRef idx="0">
+            <a:schemeClr val="accent1"/>
+          </a:effectRef>
+          <a:fontRef idx="minor">
+            <a:schemeClr val="lt1"/>
+          </a:fontRef>
+        </p:style>
+        <p:txBody>
+          <a:bodyPr rtlCol="0" anchor="ctr"/>
+          <a:lstStyle/>
+          <a:p>
+            <a:pPr algn="ctr"/>
+            <a:endParaRPr lang="ko-KR" altLang="en-US"/>
           </a:p>
         </p:txBody>
       </p:sp>

--- a/Presentation1.pptx
+++ b/Presentation1.pptx
@@ -673,7 +673,7 @@
           <a:p>
             <a:fld id="{5CE112B4-F816-48F8-B9B7-203DD44EA2BD}" type="datetimeFigureOut">
               <a:rPr lang="ko-KR" altLang="en-US" smtClean="0"/>
-              <a:t>2021-07-28</a:t>
+              <a:t>2021-09-03</a:t>
             </a:fld>
             <a:endParaRPr lang="ko-KR" altLang="en-US"/>
           </a:p>
@@ -873,7 +873,7 @@
           <a:p>
             <a:fld id="{5CE112B4-F816-48F8-B9B7-203DD44EA2BD}" type="datetimeFigureOut">
               <a:rPr lang="ko-KR" altLang="en-US" smtClean="0"/>
-              <a:t>2021-07-28</a:t>
+              <a:t>2021-09-03</a:t>
             </a:fld>
             <a:endParaRPr lang="ko-KR" altLang="en-US"/>
           </a:p>
@@ -1083,7 +1083,7 @@
           <a:p>
             <a:fld id="{5CE112B4-F816-48F8-B9B7-203DD44EA2BD}" type="datetimeFigureOut">
               <a:rPr lang="ko-KR" altLang="en-US" smtClean="0"/>
-              <a:t>2021-07-28</a:t>
+              <a:t>2021-09-03</a:t>
             </a:fld>
             <a:endParaRPr lang="ko-KR" altLang="en-US"/>
           </a:p>
@@ -1283,7 +1283,7 @@
           <a:p>
             <a:fld id="{5CE112B4-F816-48F8-B9B7-203DD44EA2BD}" type="datetimeFigureOut">
               <a:rPr lang="ko-KR" altLang="en-US" smtClean="0"/>
-              <a:t>2021-07-28</a:t>
+              <a:t>2021-09-03</a:t>
             </a:fld>
             <a:endParaRPr lang="ko-KR" altLang="en-US"/>
           </a:p>
@@ -1559,7 +1559,7 @@
           <a:p>
             <a:fld id="{5CE112B4-F816-48F8-B9B7-203DD44EA2BD}" type="datetimeFigureOut">
               <a:rPr lang="ko-KR" altLang="en-US" smtClean="0"/>
-              <a:t>2021-07-28</a:t>
+              <a:t>2021-09-03</a:t>
             </a:fld>
             <a:endParaRPr lang="ko-KR" altLang="en-US"/>
           </a:p>
@@ -1827,7 +1827,7 @@
           <a:p>
             <a:fld id="{5CE112B4-F816-48F8-B9B7-203DD44EA2BD}" type="datetimeFigureOut">
               <a:rPr lang="ko-KR" altLang="en-US" smtClean="0"/>
-              <a:t>2021-07-28</a:t>
+              <a:t>2021-09-03</a:t>
             </a:fld>
             <a:endParaRPr lang="ko-KR" altLang="en-US"/>
           </a:p>
@@ -2242,7 +2242,7 @@
           <a:p>
             <a:fld id="{5CE112B4-F816-48F8-B9B7-203DD44EA2BD}" type="datetimeFigureOut">
               <a:rPr lang="ko-KR" altLang="en-US" smtClean="0"/>
-              <a:t>2021-07-28</a:t>
+              <a:t>2021-09-03</a:t>
             </a:fld>
             <a:endParaRPr lang="ko-KR" altLang="en-US"/>
           </a:p>
@@ -2384,7 +2384,7 @@
           <a:p>
             <a:fld id="{5CE112B4-F816-48F8-B9B7-203DD44EA2BD}" type="datetimeFigureOut">
               <a:rPr lang="ko-KR" altLang="en-US" smtClean="0"/>
-              <a:t>2021-07-28</a:t>
+              <a:t>2021-09-03</a:t>
             </a:fld>
             <a:endParaRPr lang="ko-KR" altLang="en-US"/>
           </a:p>
@@ -2497,7 +2497,7 @@
           <a:p>
             <a:fld id="{5CE112B4-F816-48F8-B9B7-203DD44EA2BD}" type="datetimeFigureOut">
               <a:rPr lang="ko-KR" altLang="en-US" smtClean="0"/>
-              <a:t>2021-07-28</a:t>
+              <a:t>2021-09-03</a:t>
             </a:fld>
             <a:endParaRPr lang="ko-KR" altLang="en-US"/>
           </a:p>
@@ -2810,7 +2810,7 @@
           <a:p>
             <a:fld id="{5CE112B4-F816-48F8-B9B7-203DD44EA2BD}" type="datetimeFigureOut">
               <a:rPr lang="ko-KR" altLang="en-US" smtClean="0"/>
-              <a:t>2021-07-28</a:t>
+              <a:t>2021-09-03</a:t>
             </a:fld>
             <a:endParaRPr lang="ko-KR" altLang="en-US"/>
           </a:p>
@@ -3099,7 +3099,7 @@
           <a:p>
             <a:fld id="{5CE112B4-F816-48F8-B9B7-203DD44EA2BD}" type="datetimeFigureOut">
               <a:rPr lang="ko-KR" altLang="en-US" smtClean="0"/>
-              <a:t>2021-07-28</a:t>
+              <a:t>2021-09-03</a:t>
             </a:fld>
             <a:endParaRPr lang="ko-KR" altLang="en-US"/>
           </a:p>
@@ -3342,7 +3342,7 @@
           <a:p>
             <a:fld id="{5CE112B4-F816-48F8-B9B7-203DD44EA2BD}" type="datetimeFigureOut">
               <a:rPr lang="ko-KR" altLang="en-US" smtClean="0"/>
-              <a:t>2021-07-28</a:t>
+              <a:t>2021-09-03</a:t>
             </a:fld>
             <a:endParaRPr lang="ko-KR" altLang="en-US"/>
           </a:p>
@@ -5540,6 +5540,58 @@
           </a:p>
         </p:txBody>
       </p:sp>
+      <p:sp>
+        <p:nvSpPr>
+          <p:cNvPr id="11" name="Oval 5">
+            <a:extLst>
+              <a:ext uri="{FF2B5EF4-FFF2-40B4-BE49-F238E27FC236}">
+                <a16:creationId xmlns:a16="http://schemas.microsoft.com/office/drawing/2014/main" id="{0433844D-C18E-4DD5-89BF-A26A8E9A642C}"/>
+              </a:ext>
+            </a:extLst>
+          </p:cNvPr>
+          <p:cNvSpPr/>
+          <p:nvPr/>
+        </p:nvSpPr>
+        <p:spPr>
+          <a:xfrm>
+            <a:off x="1892300" y="3574472"/>
+            <a:ext cx="237506" cy="225631"/>
+          </a:xfrm>
+          <a:prstGeom prst="ellipse">
+            <a:avLst/>
+          </a:prstGeom>
+          <a:solidFill>
+            <a:srgbClr val="00B050"/>
+          </a:solidFill>
+          <a:ln>
+            <a:noFill/>
+          </a:ln>
+        </p:spPr>
+        <p:style>
+          <a:lnRef idx="2">
+            <a:schemeClr val="accent1">
+              <a:shade val="50000"/>
+            </a:schemeClr>
+          </a:lnRef>
+          <a:fillRef idx="1">
+            <a:schemeClr val="accent1"/>
+          </a:fillRef>
+          <a:effectRef idx="0">
+            <a:schemeClr val="accent1"/>
+          </a:effectRef>
+          <a:fontRef idx="minor">
+            <a:schemeClr val="lt1"/>
+          </a:fontRef>
+        </p:style>
+        <p:txBody>
+          <a:bodyPr rtlCol="0" anchor="ctr"/>
+          <a:lstStyle/>
+          <a:p>
+            <a:pPr algn="ctr"/>
+            <a:endParaRPr lang="ko-KR" altLang="en-US"/>
+          </a:p>
+        </p:txBody>
+      </p:sp>
     </p:spTree>
     <p:extLst>
       <p:ext uri="{BB962C8B-B14F-4D97-AF65-F5344CB8AC3E}">
@@ -5811,6 +5863,48 @@
           </a:extLst>
         </p:spPr>
       </p:pic>
+      <p:sp>
+        <p:nvSpPr>
+          <p:cNvPr id="2" name="TextBox 1">
+            <a:extLst>
+              <a:ext uri="{FF2B5EF4-FFF2-40B4-BE49-F238E27FC236}">
+                <a16:creationId xmlns:a16="http://schemas.microsoft.com/office/drawing/2014/main" id="{193C07C9-0C97-4261-86F7-EC23A68249F0}"/>
+              </a:ext>
+            </a:extLst>
+          </p:cNvPr>
+          <p:cNvSpPr txBox="1"/>
+          <p:nvPr/>
+        </p:nvSpPr>
+        <p:spPr>
+          <a:xfrm>
+            <a:off x="3940176" y="6014905"/>
+            <a:ext cx="807994" cy="430887"/>
+          </a:xfrm>
+          <a:prstGeom prst="rect">
+            <a:avLst/>
+          </a:prstGeom>
+          <a:noFill/>
+        </p:spPr>
+        <p:txBody>
+          <a:bodyPr wrap="square" rtlCol="0">
+            <a:spAutoFit/>
+          </a:bodyPr>
+          <a:lstStyle/>
+          <a:p>
+            <a:r>
+              <a:rPr lang="en-US" altLang="ko-KR" sz="1100" dirty="0"/>
+              <a:t>(-320, </a:t>
+            </a:r>
+          </a:p>
+          <a:p>
+            <a:r>
+              <a:rPr lang="en-US" altLang="ko-KR" sz="1100" dirty="0"/>
+              <a:t>      -570)</a:t>
+            </a:r>
+            <a:endParaRPr lang="ko-KR" altLang="en-US" sz="1100" dirty="0"/>
+          </a:p>
+        </p:txBody>
+      </p:sp>
     </p:spTree>
     <p:extLst>
       <p:ext uri="{BB962C8B-B14F-4D97-AF65-F5344CB8AC3E}">

--- a/Presentation1.pptx
+++ b/Presentation1.pptx
@@ -673,7 +673,7 @@
           <a:p>
             <a:fld id="{5CE112B4-F816-48F8-B9B7-203DD44EA2BD}" type="datetimeFigureOut">
               <a:rPr lang="ko-KR" altLang="en-US" smtClean="0"/>
-              <a:t>2021-09-03</a:t>
+              <a:t>2022-01-25</a:t>
             </a:fld>
             <a:endParaRPr lang="ko-KR" altLang="en-US"/>
           </a:p>
@@ -873,7 +873,7 @@
           <a:p>
             <a:fld id="{5CE112B4-F816-48F8-B9B7-203DD44EA2BD}" type="datetimeFigureOut">
               <a:rPr lang="ko-KR" altLang="en-US" smtClean="0"/>
-              <a:t>2021-09-03</a:t>
+              <a:t>2022-01-25</a:t>
             </a:fld>
             <a:endParaRPr lang="ko-KR" altLang="en-US"/>
           </a:p>
@@ -1083,7 +1083,7 @@
           <a:p>
             <a:fld id="{5CE112B4-F816-48F8-B9B7-203DD44EA2BD}" type="datetimeFigureOut">
               <a:rPr lang="ko-KR" altLang="en-US" smtClean="0"/>
-              <a:t>2021-09-03</a:t>
+              <a:t>2022-01-25</a:t>
             </a:fld>
             <a:endParaRPr lang="ko-KR" altLang="en-US"/>
           </a:p>
@@ -1283,7 +1283,7 @@
           <a:p>
             <a:fld id="{5CE112B4-F816-48F8-B9B7-203DD44EA2BD}" type="datetimeFigureOut">
               <a:rPr lang="ko-KR" altLang="en-US" smtClean="0"/>
-              <a:t>2021-09-03</a:t>
+              <a:t>2022-01-25</a:t>
             </a:fld>
             <a:endParaRPr lang="ko-KR" altLang="en-US"/>
           </a:p>
@@ -1559,7 +1559,7 @@
           <a:p>
             <a:fld id="{5CE112B4-F816-48F8-B9B7-203DD44EA2BD}" type="datetimeFigureOut">
               <a:rPr lang="ko-KR" altLang="en-US" smtClean="0"/>
-              <a:t>2021-09-03</a:t>
+              <a:t>2022-01-25</a:t>
             </a:fld>
             <a:endParaRPr lang="ko-KR" altLang="en-US"/>
           </a:p>
@@ -1827,7 +1827,7 @@
           <a:p>
             <a:fld id="{5CE112B4-F816-48F8-B9B7-203DD44EA2BD}" type="datetimeFigureOut">
               <a:rPr lang="ko-KR" altLang="en-US" smtClean="0"/>
-              <a:t>2021-09-03</a:t>
+              <a:t>2022-01-25</a:t>
             </a:fld>
             <a:endParaRPr lang="ko-KR" altLang="en-US"/>
           </a:p>
@@ -2242,7 +2242,7 @@
           <a:p>
             <a:fld id="{5CE112B4-F816-48F8-B9B7-203DD44EA2BD}" type="datetimeFigureOut">
               <a:rPr lang="ko-KR" altLang="en-US" smtClean="0"/>
-              <a:t>2021-09-03</a:t>
+              <a:t>2022-01-25</a:t>
             </a:fld>
             <a:endParaRPr lang="ko-KR" altLang="en-US"/>
           </a:p>
@@ -2384,7 +2384,7 @@
           <a:p>
             <a:fld id="{5CE112B4-F816-48F8-B9B7-203DD44EA2BD}" type="datetimeFigureOut">
               <a:rPr lang="ko-KR" altLang="en-US" smtClean="0"/>
-              <a:t>2021-09-03</a:t>
+              <a:t>2022-01-25</a:t>
             </a:fld>
             <a:endParaRPr lang="ko-KR" altLang="en-US"/>
           </a:p>
@@ -2497,7 +2497,7 @@
           <a:p>
             <a:fld id="{5CE112B4-F816-48F8-B9B7-203DD44EA2BD}" type="datetimeFigureOut">
               <a:rPr lang="ko-KR" altLang="en-US" smtClean="0"/>
-              <a:t>2021-09-03</a:t>
+              <a:t>2022-01-25</a:t>
             </a:fld>
             <a:endParaRPr lang="ko-KR" altLang="en-US"/>
           </a:p>
@@ -2810,7 +2810,7 @@
           <a:p>
             <a:fld id="{5CE112B4-F816-48F8-B9B7-203DD44EA2BD}" type="datetimeFigureOut">
               <a:rPr lang="ko-KR" altLang="en-US" smtClean="0"/>
-              <a:t>2021-09-03</a:t>
+              <a:t>2022-01-25</a:t>
             </a:fld>
             <a:endParaRPr lang="ko-KR" altLang="en-US"/>
           </a:p>
@@ -3099,7 +3099,7 @@
           <a:p>
             <a:fld id="{5CE112B4-F816-48F8-B9B7-203DD44EA2BD}" type="datetimeFigureOut">
               <a:rPr lang="ko-KR" altLang="en-US" smtClean="0"/>
-              <a:t>2021-09-03</a:t>
+              <a:t>2022-01-25</a:t>
             </a:fld>
             <a:endParaRPr lang="ko-KR" altLang="en-US"/>
           </a:p>
@@ -3342,7 +3342,7 @@
           <a:p>
             <a:fld id="{5CE112B4-F816-48F8-B9B7-203DD44EA2BD}" type="datetimeFigureOut">
               <a:rPr lang="ko-KR" altLang="en-US" smtClean="0"/>
-              <a:t>2021-09-03</a:t>
+              <a:t>2022-01-25</a:t>
             </a:fld>
             <a:endParaRPr lang="ko-KR" altLang="en-US"/>
           </a:p>
@@ -5592,6 +5592,71 @@
           </a:p>
         </p:txBody>
       </p:sp>
+      <p:pic>
+        <p:nvPicPr>
+          <p:cNvPr id="13" name="Picture 12" descr="Icon&#10;&#10;Description automatically generated">
+            <a:extLst>
+              <a:ext uri="{FF2B5EF4-FFF2-40B4-BE49-F238E27FC236}">
+                <a16:creationId xmlns:a16="http://schemas.microsoft.com/office/drawing/2014/main" id="{D826E269-179C-4631-B238-C6BF7176BEF6}"/>
+              </a:ext>
+            </a:extLst>
+          </p:cNvPr>
+          <p:cNvPicPr>
+            <a:picLocks noChangeAspect="1"/>
+          </p:cNvPicPr>
+          <p:nvPr/>
+        </p:nvPicPr>
+        <p:blipFill>
+          <a:blip r:embed="rId2">
+            <a:duotone>
+              <a:srgbClr val="ED7D31">
+                <a:shade val="45000"/>
+                <a:satMod val="135000"/>
+              </a:srgbClr>
+              <a:prstClr val="white"/>
+            </a:duotone>
+            <a:extLst>
+              <a:ext uri="{BEBA8EAE-BF5A-486C-A8C5-ECC9F3942E4B}">
+                <a14:imgProps xmlns:a14="http://schemas.microsoft.com/office/drawing/2010/main">
+                  <a14:imgLayer r:embed="rId3">
+                    <a14:imgEffect>
+                      <a14:backgroundRemoval t="9778" b="94667" l="3556" r="94667">
+                        <a14:foregroundMark x1="59556" y1="39556" x2="68444" y2="38667"/>
+                        <a14:foregroundMark x1="95111" y1="60889" x2="91111" y2="59556"/>
+                        <a14:foregroundMark x1="91556" y1="85333" x2="91556" y2="85333"/>
+                        <a14:foregroundMark x1="75556" y1="93333" x2="75556" y2="93333"/>
+                        <a14:foregroundMark x1="58222" y1="87111" x2="58222" y2="87111"/>
+                        <a14:foregroundMark x1="50667" y1="94667" x2="50667" y2="94667"/>
+                        <a14:foregroundMark x1="75111" y1="95111" x2="75111" y2="95111"/>
+                        <a14:foregroundMark x1="74667" y1="93778" x2="74667" y2="93778"/>
+                        <a14:foregroundMark x1="36889" y1="72000" x2="36889" y2="72000"/>
+                        <a14:foregroundMark x1="27111" y1="17778" x2="27111" y2="17778"/>
+                        <a14:foregroundMark x1="6222" y1="10667" x2="5778" y2="10667"/>
+                        <a14:foregroundMark x1="3556" y1="10667" x2="3556" y2="10667"/>
+                      </a14:backgroundRemoval>
+                    </a14:imgEffect>
+                  </a14:imgLayer>
+                </a14:imgProps>
+              </a:ext>
+              <a:ext uri="{28A0092B-C50C-407E-A947-70E740481C1C}">
+                <a14:useLocalDpi xmlns:a14="http://schemas.microsoft.com/office/drawing/2010/main" val="0"/>
+              </a:ext>
+            </a:extLst>
+          </a:blip>
+          <a:stretch>
+            <a:fillRect/>
+          </a:stretch>
+        </p:blipFill>
+        <p:spPr>
+          <a:xfrm>
+            <a:off x="733058" y="4821028"/>
+            <a:ext cx="1545093" cy="1545093"/>
+          </a:xfrm>
+          <a:prstGeom prst="rect">
+            <a:avLst/>
+          </a:prstGeom>
+        </p:spPr>
+      </p:pic>
     </p:spTree>
     <p:extLst>
       <p:ext uri="{BB962C8B-B14F-4D97-AF65-F5344CB8AC3E}">

--- a/Presentation1.pptx
+++ b/Presentation1.pptx
@@ -673,7 +673,7 @@
           <a:p>
             <a:fld id="{5CE112B4-F816-48F8-B9B7-203DD44EA2BD}" type="datetimeFigureOut">
               <a:rPr lang="ko-KR" altLang="en-US" smtClean="0"/>
-              <a:t>2022-01-25</a:t>
+              <a:t>2022-03-27</a:t>
             </a:fld>
             <a:endParaRPr lang="ko-KR" altLang="en-US"/>
           </a:p>
@@ -873,7 +873,7 @@
           <a:p>
             <a:fld id="{5CE112B4-F816-48F8-B9B7-203DD44EA2BD}" type="datetimeFigureOut">
               <a:rPr lang="ko-KR" altLang="en-US" smtClean="0"/>
-              <a:t>2022-01-25</a:t>
+              <a:t>2022-03-27</a:t>
             </a:fld>
             <a:endParaRPr lang="ko-KR" altLang="en-US"/>
           </a:p>
@@ -1083,7 +1083,7 @@
           <a:p>
             <a:fld id="{5CE112B4-F816-48F8-B9B7-203DD44EA2BD}" type="datetimeFigureOut">
               <a:rPr lang="ko-KR" altLang="en-US" smtClean="0"/>
-              <a:t>2022-01-25</a:t>
+              <a:t>2022-03-27</a:t>
             </a:fld>
             <a:endParaRPr lang="ko-KR" altLang="en-US"/>
           </a:p>
@@ -1283,7 +1283,7 @@
           <a:p>
             <a:fld id="{5CE112B4-F816-48F8-B9B7-203DD44EA2BD}" type="datetimeFigureOut">
               <a:rPr lang="ko-KR" altLang="en-US" smtClean="0"/>
-              <a:t>2022-01-25</a:t>
+              <a:t>2022-03-27</a:t>
             </a:fld>
             <a:endParaRPr lang="ko-KR" altLang="en-US"/>
           </a:p>
@@ -1559,7 +1559,7 @@
           <a:p>
             <a:fld id="{5CE112B4-F816-48F8-B9B7-203DD44EA2BD}" type="datetimeFigureOut">
               <a:rPr lang="ko-KR" altLang="en-US" smtClean="0"/>
-              <a:t>2022-01-25</a:t>
+              <a:t>2022-03-27</a:t>
             </a:fld>
             <a:endParaRPr lang="ko-KR" altLang="en-US"/>
           </a:p>
@@ -1827,7 +1827,7 @@
           <a:p>
             <a:fld id="{5CE112B4-F816-48F8-B9B7-203DD44EA2BD}" type="datetimeFigureOut">
               <a:rPr lang="ko-KR" altLang="en-US" smtClean="0"/>
-              <a:t>2022-01-25</a:t>
+              <a:t>2022-03-27</a:t>
             </a:fld>
             <a:endParaRPr lang="ko-KR" altLang="en-US"/>
           </a:p>
@@ -2242,7 +2242,7 @@
           <a:p>
             <a:fld id="{5CE112B4-F816-48F8-B9B7-203DD44EA2BD}" type="datetimeFigureOut">
               <a:rPr lang="ko-KR" altLang="en-US" smtClean="0"/>
-              <a:t>2022-01-25</a:t>
+              <a:t>2022-03-27</a:t>
             </a:fld>
             <a:endParaRPr lang="ko-KR" altLang="en-US"/>
           </a:p>
@@ -2384,7 +2384,7 @@
           <a:p>
             <a:fld id="{5CE112B4-F816-48F8-B9B7-203DD44EA2BD}" type="datetimeFigureOut">
               <a:rPr lang="ko-KR" altLang="en-US" smtClean="0"/>
-              <a:t>2022-01-25</a:t>
+              <a:t>2022-03-27</a:t>
             </a:fld>
             <a:endParaRPr lang="ko-KR" altLang="en-US"/>
           </a:p>
@@ -2497,7 +2497,7 @@
           <a:p>
             <a:fld id="{5CE112B4-F816-48F8-B9B7-203DD44EA2BD}" type="datetimeFigureOut">
               <a:rPr lang="ko-KR" altLang="en-US" smtClean="0"/>
-              <a:t>2022-01-25</a:t>
+              <a:t>2022-03-27</a:t>
             </a:fld>
             <a:endParaRPr lang="ko-KR" altLang="en-US"/>
           </a:p>
@@ -2810,7 +2810,7 @@
           <a:p>
             <a:fld id="{5CE112B4-F816-48F8-B9B7-203DD44EA2BD}" type="datetimeFigureOut">
               <a:rPr lang="ko-KR" altLang="en-US" smtClean="0"/>
-              <a:t>2022-01-25</a:t>
+              <a:t>2022-03-27</a:t>
             </a:fld>
             <a:endParaRPr lang="ko-KR" altLang="en-US"/>
           </a:p>
@@ -3099,7 +3099,7 @@
           <a:p>
             <a:fld id="{5CE112B4-F816-48F8-B9B7-203DD44EA2BD}" type="datetimeFigureOut">
               <a:rPr lang="ko-KR" altLang="en-US" smtClean="0"/>
-              <a:t>2022-01-25</a:t>
+              <a:t>2022-03-27</a:t>
             </a:fld>
             <a:endParaRPr lang="ko-KR" altLang="en-US"/>
           </a:p>
@@ -3342,7 +3342,7 @@
           <a:p>
             <a:fld id="{5CE112B4-F816-48F8-B9B7-203DD44EA2BD}" type="datetimeFigureOut">
               <a:rPr lang="ko-KR" altLang="en-US" smtClean="0"/>
-              <a:t>2022-01-25</a:t>
+              <a:t>2022-03-27</a:t>
             </a:fld>
             <a:endParaRPr lang="ko-KR" altLang="en-US"/>
           </a:p>
@@ -5657,6 +5657,53 @@
           </a:prstGeom>
         </p:spPr>
       </p:pic>
+      <p:pic>
+        <p:nvPicPr>
+          <p:cNvPr id="1026" name="Picture 2" descr="Yellow Thunderbolt Transparent | PNG All">
+            <a:extLst>
+              <a:ext uri="{FF2B5EF4-FFF2-40B4-BE49-F238E27FC236}">
+                <a16:creationId xmlns:a16="http://schemas.microsoft.com/office/drawing/2014/main" id="{5D042FC9-1411-4DE9-AD39-ACB7D15BDE5C}"/>
+              </a:ext>
+            </a:extLst>
+          </p:cNvPr>
+          <p:cNvPicPr>
+            <a:picLocks noChangeAspect="1" noChangeArrowheads="1"/>
+          </p:cNvPicPr>
+          <p:nvPr/>
+        </p:nvPicPr>
+        <p:blipFill>
+          <a:blip r:embed="rId4">
+            <a:extLst>
+              <a:ext uri="{28A0092B-C50C-407E-A947-70E740481C1C}">
+                <a14:useLocalDpi xmlns:a14="http://schemas.microsoft.com/office/drawing/2010/main" val="0"/>
+              </a:ext>
+            </a:extLst>
+          </a:blip>
+          <a:srcRect/>
+          <a:stretch>
+            <a:fillRect/>
+          </a:stretch>
+        </p:blipFill>
+        <p:spPr bwMode="auto">
+          <a:xfrm>
+            <a:off x="3320316" y="4686301"/>
+            <a:ext cx="1340584" cy="1734968"/>
+          </a:xfrm>
+          <a:prstGeom prst="rect">
+            <a:avLst/>
+          </a:prstGeom>
+          <a:noFill/>
+          <a:extLst>
+            <a:ext uri="{909E8E84-426E-40DD-AFC4-6F175D3DCCD1}">
+              <a14:hiddenFill xmlns:a14="http://schemas.microsoft.com/office/drawing/2010/main">
+                <a:solidFill>
+                  <a:srgbClr val="FFFFFF"/>
+                </a:solidFill>
+              </a14:hiddenFill>
+            </a:ext>
+          </a:extLst>
+        </p:spPr>
+      </p:pic>
     </p:spTree>
     <p:extLst>
       <p:ext uri="{BB962C8B-B14F-4D97-AF65-F5344CB8AC3E}">

--- a/Presentation1.pptx
+++ b/Presentation1.pptx
@@ -673,7 +673,7 @@
           <a:p>
             <a:fld id="{5CE112B4-F816-48F8-B9B7-203DD44EA2BD}" type="datetimeFigureOut">
               <a:rPr lang="ko-KR" altLang="en-US" smtClean="0"/>
-              <a:t>2022-03-27</a:t>
+              <a:t>2022-04-03</a:t>
             </a:fld>
             <a:endParaRPr lang="ko-KR" altLang="en-US"/>
           </a:p>
@@ -873,7 +873,7 @@
           <a:p>
             <a:fld id="{5CE112B4-F816-48F8-B9B7-203DD44EA2BD}" type="datetimeFigureOut">
               <a:rPr lang="ko-KR" altLang="en-US" smtClean="0"/>
-              <a:t>2022-03-27</a:t>
+              <a:t>2022-04-03</a:t>
             </a:fld>
             <a:endParaRPr lang="ko-KR" altLang="en-US"/>
           </a:p>
@@ -1083,7 +1083,7 @@
           <a:p>
             <a:fld id="{5CE112B4-F816-48F8-B9B7-203DD44EA2BD}" type="datetimeFigureOut">
               <a:rPr lang="ko-KR" altLang="en-US" smtClean="0"/>
-              <a:t>2022-03-27</a:t>
+              <a:t>2022-04-03</a:t>
             </a:fld>
             <a:endParaRPr lang="ko-KR" altLang="en-US"/>
           </a:p>
@@ -1283,7 +1283,7 @@
           <a:p>
             <a:fld id="{5CE112B4-F816-48F8-B9B7-203DD44EA2BD}" type="datetimeFigureOut">
               <a:rPr lang="ko-KR" altLang="en-US" smtClean="0"/>
-              <a:t>2022-03-27</a:t>
+              <a:t>2022-04-03</a:t>
             </a:fld>
             <a:endParaRPr lang="ko-KR" altLang="en-US"/>
           </a:p>
@@ -1559,7 +1559,7 @@
           <a:p>
             <a:fld id="{5CE112B4-F816-48F8-B9B7-203DD44EA2BD}" type="datetimeFigureOut">
               <a:rPr lang="ko-KR" altLang="en-US" smtClean="0"/>
-              <a:t>2022-03-27</a:t>
+              <a:t>2022-04-03</a:t>
             </a:fld>
             <a:endParaRPr lang="ko-KR" altLang="en-US"/>
           </a:p>
@@ -1827,7 +1827,7 @@
           <a:p>
             <a:fld id="{5CE112B4-F816-48F8-B9B7-203DD44EA2BD}" type="datetimeFigureOut">
               <a:rPr lang="ko-KR" altLang="en-US" smtClean="0"/>
-              <a:t>2022-03-27</a:t>
+              <a:t>2022-04-03</a:t>
             </a:fld>
             <a:endParaRPr lang="ko-KR" altLang="en-US"/>
           </a:p>
@@ -2242,7 +2242,7 @@
           <a:p>
             <a:fld id="{5CE112B4-F816-48F8-B9B7-203DD44EA2BD}" type="datetimeFigureOut">
               <a:rPr lang="ko-KR" altLang="en-US" smtClean="0"/>
-              <a:t>2022-03-27</a:t>
+              <a:t>2022-04-03</a:t>
             </a:fld>
             <a:endParaRPr lang="ko-KR" altLang="en-US"/>
           </a:p>
@@ -2384,7 +2384,7 @@
           <a:p>
             <a:fld id="{5CE112B4-F816-48F8-B9B7-203DD44EA2BD}" type="datetimeFigureOut">
               <a:rPr lang="ko-KR" altLang="en-US" smtClean="0"/>
-              <a:t>2022-03-27</a:t>
+              <a:t>2022-04-03</a:t>
             </a:fld>
             <a:endParaRPr lang="ko-KR" altLang="en-US"/>
           </a:p>
@@ -2497,7 +2497,7 @@
           <a:p>
             <a:fld id="{5CE112B4-F816-48F8-B9B7-203DD44EA2BD}" type="datetimeFigureOut">
               <a:rPr lang="ko-KR" altLang="en-US" smtClean="0"/>
-              <a:t>2022-03-27</a:t>
+              <a:t>2022-04-03</a:t>
             </a:fld>
             <a:endParaRPr lang="ko-KR" altLang="en-US"/>
           </a:p>
@@ -2810,7 +2810,7 @@
           <a:p>
             <a:fld id="{5CE112B4-F816-48F8-B9B7-203DD44EA2BD}" type="datetimeFigureOut">
               <a:rPr lang="ko-KR" altLang="en-US" smtClean="0"/>
-              <a:t>2022-03-27</a:t>
+              <a:t>2022-04-03</a:t>
             </a:fld>
             <a:endParaRPr lang="ko-KR" altLang="en-US"/>
           </a:p>
@@ -3099,7 +3099,7 @@
           <a:p>
             <a:fld id="{5CE112B4-F816-48F8-B9B7-203DD44EA2BD}" type="datetimeFigureOut">
               <a:rPr lang="ko-KR" altLang="en-US" smtClean="0"/>
-              <a:t>2022-03-27</a:t>
+              <a:t>2022-04-03</a:t>
             </a:fld>
             <a:endParaRPr lang="ko-KR" altLang="en-US"/>
           </a:p>
@@ -3342,7 +3342,7 @@
           <a:p>
             <a:fld id="{5CE112B4-F816-48F8-B9B7-203DD44EA2BD}" type="datetimeFigureOut">
               <a:rPr lang="ko-KR" altLang="en-US" smtClean="0"/>
-              <a:t>2022-03-27</a:t>
+              <a:t>2022-04-03</a:t>
             </a:fld>
             <a:endParaRPr lang="ko-KR" altLang="en-US"/>
           </a:p>
@@ -5649,7 +5649,7 @@
         </p:blipFill>
         <p:spPr>
           <a:xfrm>
-            <a:off x="733058" y="4821028"/>
+            <a:off x="733058" y="4418627"/>
             <a:ext cx="1545093" cy="1545093"/>
           </a:xfrm>
           <a:prstGeom prst="rect">
@@ -5686,7 +5686,7 @@
         </p:blipFill>
         <p:spPr bwMode="auto">
           <a:xfrm>
-            <a:off x="3320316" y="4686301"/>
+            <a:off x="3180572" y="4335389"/>
             <a:ext cx="1340584" cy="1734968"/>
           </a:xfrm>
           <a:prstGeom prst="rect">
@@ -5702,6 +5702,251 @@
               </a14:hiddenFill>
             </a:ext>
           </a:extLst>
+        </p:spPr>
+      </p:pic>
+      <p:pic>
+        <p:nvPicPr>
+          <p:cNvPr id="12" name="Picture 2">
+            <a:extLst>
+              <a:ext uri="{FF2B5EF4-FFF2-40B4-BE49-F238E27FC236}">
+                <a16:creationId xmlns:a16="http://schemas.microsoft.com/office/drawing/2014/main" id="{5ED869C0-A7C9-4228-8921-D8C7E2C05678}"/>
+              </a:ext>
+            </a:extLst>
+          </p:cNvPr>
+          <p:cNvPicPr>
+            <a:picLocks noChangeAspect="1" noChangeArrowheads="1"/>
+          </p:cNvPicPr>
+          <p:nvPr/>
+        </p:nvPicPr>
+        <p:blipFill>
+          <a:blip r:embed="rId5">
+            <a:extLst>
+              <a:ext uri="{28A0092B-C50C-407E-A947-70E740481C1C}">
+                <a14:useLocalDpi xmlns:a14="http://schemas.microsoft.com/office/drawing/2010/main" val="0"/>
+              </a:ext>
+            </a:extLst>
+          </a:blip>
+          <a:srcRect/>
+          <a:stretch>
+            <a:fillRect/>
+          </a:stretch>
+        </p:blipFill>
+        <p:spPr bwMode="auto">
+          <a:xfrm>
+            <a:off x="6400802" y="145472"/>
+            <a:ext cx="4783137" cy="6858000"/>
+          </a:xfrm>
+          <a:prstGeom prst="rect">
+            <a:avLst/>
+          </a:prstGeom>
+          <a:noFill/>
+          <a:extLst>
+            <a:ext uri="{909E8E84-426E-40DD-AFC4-6F175D3DCCD1}">
+              <a14:hiddenFill xmlns:a14="http://schemas.microsoft.com/office/drawing/2010/main">
+                <a:solidFill>
+                  <a:srgbClr val="FFFFFF"/>
+                </a:solidFill>
+              </a14:hiddenFill>
+            </a:ext>
+          </a:extLst>
+        </p:spPr>
+      </p:pic>
+      <p:pic>
+        <p:nvPicPr>
+          <p:cNvPr id="14" name="Picture 2" descr="Flying arrow icon outline style Royalty Free Vector Image">
+            <a:extLst>
+              <a:ext uri="{FF2B5EF4-FFF2-40B4-BE49-F238E27FC236}">
+                <a16:creationId xmlns:a16="http://schemas.microsoft.com/office/drawing/2014/main" id="{F9323B4A-73F3-4FA8-88A7-21BBA45A73D6}"/>
+              </a:ext>
+            </a:extLst>
+          </p:cNvPr>
+          <p:cNvPicPr>
+            <a:picLocks noChangeAspect="1" noChangeArrowheads="1"/>
+          </p:cNvPicPr>
+          <p:nvPr/>
+        </p:nvPicPr>
+        <p:blipFill>
+          <a:blip r:embed="rId6">
+            <a:clrChange>
+              <a:clrFrom>
+                <a:srgbClr val="000000">
+                  <a:alpha val="0"/>
+                </a:srgbClr>
+              </a:clrFrom>
+              <a:clrTo>
+                <a:srgbClr val="000000">
+                  <a:alpha val="0"/>
+                </a:srgbClr>
+              </a:clrTo>
+            </a:clrChange>
+            <a:duotone>
+              <a:schemeClr val="accent2">
+                <a:shade val="45000"/>
+                <a:satMod val="135000"/>
+              </a:schemeClr>
+              <a:prstClr val="white"/>
+            </a:duotone>
+            <a:extLst>
+              <a:ext uri="{BEBA8EAE-BF5A-486C-A8C5-ECC9F3942E4B}">
+                <a14:imgProps xmlns:a14="http://schemas.microsoft.com/office/drawing/2010/main">
+                  <a14:imgLayer r:embed="rId7">
+                    <a14:imgEffect>
+                      <a14:backgroundRemoval t="6019" b="90000" l="7800" r="91500">
+                        <a14:foregroundMark x1="84860" y1="7750" x2="86992" y2="6841"/>
+                        <a14:foregroundMark x1="91997" y1="12027" x2="92800" y2="12963"/>
+                        <a14:foregroundMark x1="92800" y1="12963" x2="91600" y2="20370"/>
+                        <a14:foregroundMark x1="91600" y1="20370" x2="90300" y2="20556"/>
+                        <a14:foregroundMark x1="87863" y1="6285" x2="85800" y2="6481"/>
+                        <a14:foregroundMark x1="89700" y1="6111" x2="88012" y2="6271"/>
+                        <a14:foregroundMark x1="9200" y1="63333" x2="7800" y2="64722"/>
+                        <a14:foregroundMark x1="46900" y1="32963" x2="46900" y2="32963"/>
+                        <a14:foregroundMark x1="37800" y1="41667" x2="37800" y2="41667"/>
+                        <a14:foregroundMark x1="74200" y1="43333" x2="74200" y2="43333"/>
+                        <a14:foregroundMark x1="85700" y1="32315" x2="85700" y2="32315"/>
+                        <a14:foregroundMark x1="70800" y1="57963" x2="70800" y2="57963"/>
+                        <a14:foregroundMark x1="80400" y1="9907" x2="80400" y2="9907"/>
+                        <a14:foregroundMark x1="80100" y1="9352" x2="80100" y2="10000"/>
+                        <a14:foregroundMark x1="79700" y1="9259" x2="80000" y2="9352"/>
+                        <a14:backgroundMark x1="82900" y1="9259" x2="82900" y2="9259"/>
+                        <a14:backgroundMark x1="82300" y1="8981" x2="82300" y2="8981"/>
+                        <a14:backgroundMark x1="81900" y1="8889" x2="81900" y2="8889"/>
+                        <a14:backgroundMark x1="81700" y1="8889" x2="81700" y2="8889"/>
+                        <a14:backgroundMark x1="81500" y1="8889" x2="81500" y2="8889"/>
+                        <a14:backgroundMark x1="81400" y1="8889" x2="82100" y2="9259"/>
+                        <a14:backgroundMark x1="83200" y1="8704" x2="84300" y2="8611"/>
+                        <a14:backgroundMark x1="83000" y1="8611" x2="82700" y2="8611"/>
+                        <a14:backgroundMark x1="84200" y1="8704" x2="83300" y2="8981"/>
+                        <a14:backgroundMark x1="84200" y1="8704" x2="82800" y2="8796"/>
+                        <a14:backgroundMark x1="82300" y1="9167" x2="81900" y2="9167"/>
+                        <a14:backgroundMark x1="82400" y1="9259" x2="81200" y2="9259"/>
+                        <a14:backgroundMark x1="81900" y1="9259" x2="80800" y2="9259"/>
+                        <a14:backgroundMark x1="80900" y1="9167" x2="81100" y2="9167"/>
+                        <a14:backgroundMark x1="83000" y1="9167" x2="82600" y2="8889"/>
+                        <a14:backgroundMark x1="83600" y1="8981" x2="82000" y2="8796"/>
+                        <a14:backgroundMark x1="90500" y1="9167" x2="90900" y2="10741"/>
+                        <a14:backgroundMark x1="91100" y1="12500" x2="88400" y2="7963"/>
+                        <a14:backgroundMark x1="89000" y1="7963" x2="88900" y2="7963"/>
+                        <a14:backgroundMark x1="89500" y1="8333" x2="88800" y2="7870"/>
+                        <a14:backgroundMark x1="89500" y1="7870" x2="87700" y2="7870"/>
+                        <a14:backgroundMark x1="90800" y1="10741" x2="91300" y2="12222"/>
+                      </a14:backgroundRemoval>
+                    </a14:imgEffect>
+                  </a14:imgLayer>
+                </a14:imgProps>
+              </a:ext>
+              <a:ext uri="{28A0092B-C50C-407E-A947-70E740481C1C}">
+                <a14:useLocalDpi xmlns:a14="http://schemas.microsoft.com/office/drawing/2010/main" val="0"/>
+              </a:ext>
+            </a:extLst>
+          </a:blip>
+          <a:srcRect/>
+          <a:stretch>
+            <a:fillRect/>
+          </a:stretch>
+        </p:blipFill>
+        <p:spPr bwMode="auto">
+          <a:xfrm>
+            <a:off x="2176675" y="2794812"/>
+            <a:ext cx="1215021" cy="1312223"/>
+          </a:xfrm>
+          <a:prstGeom prst="rect">
+            <a:avLst/>
+          </a:prstGeom>
+          <a:noFill/>
+          <a:extLst>
+            <a:ext uri="{909E8E84-426E-40DD-AFC4-6F175D3DCCD1}">
+              <a14:hiddenFill xmlns:a14="http://schemas.microsoft.com/office/drawing/2010/main">
+                <a:solidFill>
+                  <a:srgbClr val="FFFFFF"/>
+                </a:solidFill>
+              </a14:hiddenFill>
+            </a:ext>
+          </a:extLst>
+        </p:spPr>
+      </p:pic>
+      <p:pic>
+        <p:nvPicPr>
+          <p:cNvPr id="15" name="Picture 14">
+            <a:extLst>
+              <a:ext uri="{FF2B5EF4-FFF2-40B4-BE49-F238E27FC236}">
+                <a16:creationId xmlns:a16="http://schemas.microsoft.com/office/drawing/2014/main" id="{7D424FF5-6252-41E8-B0A4-325ADE631893}"/>
+              </a:ext>
+            </a:extLst>
+          </p:cNvPr>
+          <p:cNvPicPr>
+            <a:picLocks noChangeAspect="1"/>
+          </p:cNvPicPr>
+          <p:nvPr/>
+        </p:nvPicPr>
+        <p:blipFill>
+          <a:blip r:embed="rId8">
+            <a:duotone>
+              <a:schemeClr val="accent2">
+                <a:shade val="45000"/>
+                <a:satMod val="135000"/>
+              </a:schemeClr>
+              <a:prstClr val="white"/>
+            </a:duotone>
+            <a:extLst>
+              <a:ext uri="{BEBA8EAE-BF5A-486C-A8C5-ECC9F3942E4B}">
+                <a14:imgProps xmlns:a14="http://schemas.microsoft.com/office/drawing/2010/main">
+                  <a14:imgLayer r:embed="rId9">
+                    <a14:imgEffect>
+                      <a14:backgroundRemoval t="10000" b="90000" l="10000" r="90000">
+                        <a14:foregroundMark x1="47692" y1="38571" x2="47692" y2="38571"/>
+                        <a14:foregroundMark x1="46923" y1="40357" x2="46923" y2="40357"/>
+                        <a14:foregroundMark x1="62308" y1="45714" x2="62308" y2="45714"/>
+                        <a14:foregroundMark x1="58846" y1="45714" x2="58846" y2="45714"/>
+                        <a14:foregroundMark x1="55000" y1="47143" x2="55000" y2="47143"/>
+                      </a14:backgroundRemoval>
+                    </a14:imgEffect>
+                  </a14:imgLayer>
+                </a14:imgProps>
+              </a:ext>
+            </a:extLst>
+          </a:blip>
+          <a:stretch>
+            <a:fillRect/>
+          </a:stretch>
+        </p:blipFill>
+        <p:spPr>
+          <a:xfrm>
+            <a:off x="3354244" y="2566457"/>
+            <a:ext cx="2476500" cy="2667000"/>
+          </a:xfrm>
+          <a:prstGeom prst="rect">
+            <a:avLst/>
+          </a:prstGeom>
+        </p:spPr>
+      </p:pic>
+      <p:pic>
+        <p:nvPicPr>
+          <p:cNvPr id="17" name="Picture 16">
+            <a:extLst>
+              <a:ext uri="{FF2B5EF4-FFF2-40B4-BE49-F238E27FC236}">
+                <a16:creationId xmlns:a16="http://schemas.microsoft.com/office/drawing/2014/main" id="{603B5968-D186-43A4-81E1-346792B0A368}"/>
+              </a:ext>
+            </a:extLst>
+          </p:cNvPr>
+          <p:cNvPicPr>
+            <a:picLocks noChangeAspect="1"/>
+          </p:cNvPicPr>
+          <p:nvPr/>
+        </p:nvPicPr>
+        <p:blipFill>
+          <a:blip r:embed="rId10"/>
+          <a:stretch>
+            <a:fillRect/>
+          </a:stretch>
+        </p:blipFill>
+        <p:spPr>
+          <a:xfrm>
+            <a:off x="4157797" y="4418627"/>
+            <a:ext cx="1905000" cy="1905000"/>
+          </a:xfrm>
+          <a:prstGeom prst="rect">
+            <a:avLst/>
+          </a:prstGeom>
         </p:spPr>
       </p:pic>
     </p:spTree>

--- a/Presentation1.pptx
+++ b/Presentation1.pptx
@@ -673,7 +673,7 @@
           <a:p>
             <a:fld id="{5CE112B4-F816-48F8-B9B7-203DD44EA2BD}" type="datetimeFigureOut">
               <a:rPr lang="ko-KR" altLang="en-US" smtClean="0"/>
-              <a:t>2022-04-03</a:t>
+              <a:t>2022-05-05</a:t>
             </a:fld>
             <a:endParaRPr lang="ko-KR" altLang="en-US"/>
           </a:p>
@@ -873,7 +873,7 @@
           <a:p>
             <a:fld id="{5CE112B4-F816-48F8-B9B7-203DD44EA2BD}" type="datetimeFigureOut">
               <a:rPr lang="ko-KR" altLang="en-US" smtClean="0"/>
-              <a:t>2022-04-03</a:t>
+              <a:t>2022-05-05</a:t>
             </a:fld>
             <a:endParaRPr lang="ko-KR" altLang="en-US"/>
           </a:p>
@@ -1083,7 +1083,7 @@
           <a:p>
             <a:fld id="{5CE112B4-F816-48F8-B9B7-203DD44EA2BD}" type="datetimeFigureOut">
               <a:rPr lang="ko-KR" altLang="en-US" smtClean="0"/>
-              <a:t>2022-04-03</a:t>
+              <a:t>2022-05-05</a:t>
             </a:fld>
             <a:endParaRPr lang="ko-KR" altLang="en-US"/>
           </a:p>
@@ -1283,7 +1283,7 @@
           <a:p>
             <a:fld id="{5CE112B4-F816-48F8-B9B7-203DD44EA2BD}" type="datetimeFigureOut">
               <a:rPr lang="ko-KR" altLang="en-US" smtClean="0"/>
-              <a:t>2022-04-03</a:t>
+              <a:t>2022-05-05</a:t>
             </a:fld>
             <a:endParaRPr lang="ko-KR" altLang="en-US"/>
           </a:p>
@@ -1559,7 +1559,7 @@
           <a:p>
             <a:fld id="{5CE112B4-F816-48F8-B9B7-203DD44EA2BD}" type="datetimeFigureOut">
               <a:rPr lang="ko-KR" altLang="en-US" smtClean="0"/>
-              <a:t>2022-04-03</a:t>
+              <a:t>2022-05-05</a:t>
             </a:fld>
             <a:endParaRPr lang="ko-KR" altLang="en-US"/>
           </a:p>
@@ -1827,7 +1827,7 @@
           <a:p>
             <a:fld id="{5CE112B4-F816-48F8-B9B7-203DD44EA2BD}" type="datetimeFigureOut">
               <a:rPr lang="ko-KR" altLang="en-US" smtClean="0"/>
-              <a:t>2022-04-03</a:t>
+              <a:t>2022-05-05</a:t>
             </a:fld>
             <a:endParaRPr lang="ko-KR" altLang="en-US"/>
           </a:p>
@@ -2242,7 +2242,7 @@
           <a:p>
             <a:fld id="{5CE112B4-F816-48F8-B9B7-203DD44EA2BD}" type="datetimeFigureOut">
               <a:rPr lang="ko-KR" altLang="en-US" smtClean="0"/>
-              <a:t>2022-04-03</a:t>
+              <a:t>2022-05-05</a:t>
             </a:fld>
             <a:endParaRPr lang="ko-KR" altLang="en-US"/>
           </a:p>
@@ -2384,7 +2384,7 @@
           <a:p>
             <a:fld id="{5CE112B4-F816-48F8-B9B7-203DD44EA2BD}" type="datetimeFigureOut">
               <a:rPr lang="ko-KR" altLang="en-US" smtClean="0"/>
-              <a:t>2022-04-03</a:t>
+              <a:t>2022-05-05</a:t>
             </a:fld>
             <a:endParaRPr lang="ko-KR" altLang="en-US"/>
           </a:p>
@@ -2497,7 +2497,7 @@
           <a:p>
             <a:fld id="{5CE112B4-F816-48F8-B9B7-203DD44EA2BD}" type="datetimeFigureOut">
               <a:rPr lang="ko-KR" altLang="en-US" smtClean="0"/>
-              <a:t>2022-04-03</a:t>
+              <a:t>2022-05-05</a:t>
             </a:fld>
             <a:endParaRPr lang="ko-KR" altLang="en-US"/>
           </a:p>
@@ -2810,7 +2810,7 @@
           <a:p>
             <a:fld id="{5CE112B4-F816-48F8-B9B7-203DD44EA2BD}" type="datetimeFigureOut">
               <a:rPr lang="ko-KR" altLang="en-US" smtClean="0"/>
-              <a:t>2022-04-03</a:t>
+              <a:t>2022-05-05</a:t>
             </a:fld>
             <a:endParaRPr lang="ko-KR" altLang="en-US"/>
           </a:p>
@@ -3099,7 +3099,7 @@
           <a:p>
             <a:fld id="{5CE112B4-F816-48F8-B9B7-203DD44EA2BD}" type="datetimeFigureOut">
               <a:rPr lang="ko-KR" altLang="en-US" smtClean="0"/>
-              <a:t>2022-04-03</a:t>
+              <a:t>2022-05-05</a:t>
             </a:fld>
             <a:endParaRPr lang="ko-KR" altLang="en-US"/>
           </a:p>
@@ -3342,7 +3342,7 @@
           <a:p>
             <a:fld id="{5CE112B4-F816-48F8-B9B7-203DD44EA2BD}" type="datetimeFigureOut">
               <a:rPr lang="ko-KR" altLang="en-US" smtClean="0"/>
-              <a:t>2022-04-03</a:t>
+              <a:t>2022-05-05</a:t>
             </a:fld>
             <a:endParaRPr lang="ko-KR" altLang="en-US"/>
           </a:p>
@@ -5686,7 +5686,7 @@
         </p:blipFill>
         <p:spPr bwMode="auto">
           <a:xfrm>
-            <a:off x="3180572" y="4335389"/>
+            <a:off x="2115136" y="4418627"/>
             <a:ext cx="1340584" cy="1734968"/>
           </a:xfrm>
           <a:prstGeom prst="rect">
@@ -5911,7 +5911,7 @@
         </p:blipFill>
         <p:spPr>
           <a:xfrm>
-            <a:off x="3354244" y="2566457"/>
+            <a:off x="2598388" y="1961664"/>
             <a:ext cx="2476500" cy="2667000"/>
           </a:xfrm>
           <a:prstGeom prst="rect">
@@ -5941,8 +5941,179 @@
         </p:blipFill>
         <p:spPr>
           <a:xfrm>
-            <a:off x="4157797" y="4418627"/>
+            <a:off x="2984239" y="4450009"/>
             <a:ext cx="1905000" cy="1905000"/>
+          </a:xfrm>
+          <a:prstGeom prst="rect">
+            <a:avLst/>
+          </a:prstGeom>
+        </p:spPr>
+      </p:pic>
+      <p:pic>
+        <p:nvPicPr>
+          <p:cNvPr id="16" name="Picture 2" descr="Swap Logo Images – Browse 7,698 Stock Photos, Vectors, and Video | Adobe  Stock">
+            <a:extLst>
+              <a:ext uri="{FF2B5EF4-FFF2-40B4-BE49-F238E27FC236}">
+                <a16:creationId xmlns:a16="http://schemas.microsoft.com/office/drawing/2014/main" id="{877E806C-B4FE-E121-9690-2562DE6A0316}"/>
+              </a:ext>
+            </a:extLst>
+          </p:cNvPr>
+          <p:cNvPicPr>
+            <a:picLocks noChangeAspect="1" noChangeArrowheads="1"/>
+          </p:cNvPicPr>
+          <p:nvPr/>
+        </p:nvPicPr>
+        <p:blipFill>
+          <a:blip r:embed="rId11">
+            <a:extLst>
+              <a:ext uri="{28A0092B-C50C-407E-A947-70E740481C1C}">
+                <a14:useLocalDpi xmlns:a14="http://schemas.microsoft.com/office/drawing/2010/main" val="0"/>
+              </a:ext>
+            </a:extLst>
+          </a:blip>
+          <a:srcRect/>
+          <a:stretch>
+            <a:fillRect/>
+          </a:stretch>
+        </p:blipFill>
+        <p:spPr bwMode="auto">
+          <a:xfrm>
+            <a:off x="4567418" y="3322521"/>
+            <a:ext cx="1096106" cy="1096106"/>
+          </a:xfrm>
+          <a:prstGeom prst="rect">
+            <a:avLst/>
+          </a:prstGeom>
+          <a:solidFill>
+            <a:schemeClr val="accent1"/>
+          </a:solidFill>
+          <a:ln>
+            <a:noFill/>
+          </a:ln>
+        </p:spPr>
+      </p:pic>
+      <p:pic>
+        <p:nvPicPr>
+          <p:cNvPr id="18" name="Picture 17">
+            <a:extLst>
+              <a:ext uri="{FF2B5EF4-FFF2-40B4-BE49-F238E27FC236}">
+                <a16:creationId xmlns:a16="http://schemas.microsoft.com/office/drawing/2014/main" id="{8ED6F2E1-085A-1142-42E4-0FAFD1575B66}"/>
+              </a:ext>
+            </a:extLst>
+          </p:cNvPr>
+          <p:cNvPicPr>
+            <a:picLocks noChangeAspect="1"/>
+          </p:cNvPicPr>
+          <p:nvPr/>
+        </p:nvPicPr>
+        <p:blipFill>
+          <a:blip r:embed="rId12">
+            <a:duotone>
+              <a:schemeClr val="accent2">
+                <a:shade val="45000"/>
+                <a:satMod val="135000"/>
+              </a:schemeClr>
+              <a:prstClr val="white"/>
+            </a:duotone>
+            <a:extLst>
+              <a:ext uri="{BEBA8EAE-BF5A-486C-A8C5-ECC9F3942E4B}">
+                <a14:imgProps xmlns:a14="http://schemas.microsoft.com/office/drawing/2010/main">
+                  <a14:imgLayer r:embed="rId13">
+                    <a14:imgEffect>
+                      <a14:backgroundRemoval t="2449" b="96837" l="10000" r="90543">
+                        <a14:foregroundMark x1="56630" y1="22245" x2="56630" y2="22245"/>
+                        <a14:foregroundMark x1="58804" y1="5918" x2="58804" y2="5918"/>
+                        <a14:foregroundMark x1="59674" y1="2653" x2="59674" y2="2653"/>
+                        <a14:foregroundMark x1="44022" y1="64388" x2="44022" y2="64388"/>
+                        <a14:foregroundMark x1="39022" y1="96837" x2="39022" y2="96837"/>
+                        <a14:foregroundMark x1="90543" y1="42143" x2="90543" y2="42143"/>
+                      </a14:backgroundRemoval>
+                    </a14:imgEffect>
+                  </a14:imgLayer>
+                </a14:imgProps>
+              </a:ext>
+            </a:extLst>
+          </a:blip>
+          <a:stretch>
+            <a:fillRect/>
+          </a:stretch>
+        </p:blipFill>
+        <p:spPr>
+          <a:xfrm>
+            <a:off x="4588383" y="2495468"/>
+            <a:ext cx="1096107" cy="1167592"/>
+          </a:xfrm>
+          <a:prstGeom prst="rect">
+            <a:avLst/>
+          </a:prstGeom>
+        </p:spPr>
+      </p:pic>
+      <p:pic>
+        <p:nvPicPr>
+          <p:cNvPr id="20" name="Picture 19" descr="Icon&#10;&#10;Description automatically generated">
+            <a:extLst>
+              <a:ext uri="{FF2B5EF4-FFF2-40B4-BE49-F238E27FC236}">
+                <a16:creationId xmlns:a16="http://schemas.microsoft.com/office/drawing/2014/main" id="{CC035AF8-DAAD-8B1E-B7F8-B52BEC3CCB1D}"/>
+              </a:ext>
+            </a:extLst>
+          </p:cNvPr>
+          <p:cNvPicPr>
+            <a:picLocks noChangeAspect="1"/>
+          </p:cNvPicPr>
+          <p:nvPr/>
+        </p:nvPicPr>
+        <p:blipFill>
+          <a:blip r:embed="rId14">
+            <a:duotone>
+              <a:prstClr val="black"/>
+              <a:schemeClr val="accent2">
+                <a:tint val="45000"/>
+                <a:satMod val="400000"/>
+              </a:schemeClr>
+            </a:duotone>
+            <a:extLst>
+              <a:ext uri="{BEBA8EAE-BF5A-486C-A8C5-ECC9F3942E4B}">
+                <a14:imgProps xmlns:a14="http://schemas.microsoft.com/office/drawing/2010/main">
+                  <a14:imgLayer r:embed="rId15">
+                    <a14:imgEffect>
+                      <a14:backgroundRemoval t="3711" b="94727" l="6250" r="94141">
+                        <a14:foregroundMark x1="94141" y1="27344" x2="94141" y2="27344"/>
+                        <a14:foregroundMark x1="90430" y1="18750" x2="88867" y2="27930"/>
+                        <a14:foregroundMark x1="54297" y1="9180" x2="54297" y2="9180"/>
+                        <a14:foregroundMark x1="66211" y1="83789" x2="66211" y2="83789"/>
+                        <a14:foregroundMark x1="65625" y1="94727" x2="65625" y2="94727"/>
+                        <a14:foregroundMark x1="63477" y1="93555" x2="63477" y2="93555"/>
+                        <a14:foregroundMark x1="59766" y1="84375" x2="59766" y2="84375"/>
+                        <a14:foregroundMark x1="53320" y1="82227" x2="53320" y2="82227"/>
+                        <a14:foregroundMark x1="48438" y1="80078" x2="48438" y2="80078"/>
+                        <a14:foregroundMark x1="43555" y1="79102" x2="43555" y2="79102"/>
+                        <a14:foregroundMark x1="37109" y1="76953" x2="37109" y2="76953"/>
+                        <a14:foregroundMark x1="30078" y1="75195" x2="30078" y2="75195"/>
+                        <a14:foregroundMark x1="26367" y1="72070" x2="26367" y2="72070"/>
+                        <a14:foregroundMark x1="17773" y1="69336" x2="17773" y2="69336"/>
+                        <a14:foregroundMark x1="6445" y1="62305" x2="6445" y2="62305"/>
+                        <a14:foregroundMark x1="12500" y1="35938" x2="12500" y2="35938"/>
+                        <a14:foregroundMark x1="22070" y1="22656" x2="22070" y2="22656"/>
+                        <a14:foregroundMark x1="36133" y1="12891" x2="36133" y2="12891"/>
+                        <a14:foregroundMark x1="35547" y1="3711" x2="35547" y2="3711"/>
+                      </a14:backgroundRemoval>
+                    </a14:imgEffect>
+                  </a14:imgLayer>
+                </a14:imgProps>
+              </a:ext>
+              <a:ext uri="{28A0092B-C50C-407E-A947-70E740481C1C}">
+                <a14:useLocalDpi xmlns:a14="http://schemas.microsoft.com/office/drawing/2010/main" val="0"/>
+              </a:ext>
+            </a:extLst>
+          </a:blip>
+          <a:stretch>
+            <a:fillRect/>
+          </a:stretch>
+        </p:blipFill>
+        <p:spPr>
+          <a:xfrm>
+            <a:off x="4822558" y="4593855"/>
+            <a:ext cx="1273442" cy="1273442"/>
           </a:xfrm>
           <a:prstGeom prst="rect">
             <a:avLst/>

--- a/Presentation1.pptx
+++ b/Presentation1.pptx
@@ -673,7 +673,7 @@
           <a:p>
             <a:fld id="{5CE112B4-F816-48F8-B9B7-203DD44EA2BD}" type="datetimeFigureOut">
               <a:rPr lang="ko-KR" altLang="en-US" smtClean="0"/>
-              <a:t>2022-05-05</a:t>
+              <a:t>2022-05-09</a:t>
             </a:fld>
             <a:endParaRPr lang="ko-KR" altLang="en-US"/>
           </a:p>
@@ -873,7 +873,7 @@
           <a:p>
             <a:fld id="{5CE112B4-F816-48F8-B9B7-203DD44EA2BD}" type="datetimeFigureOut">
               <a:rPr lang="ko-KR" altLang="en-US" smtClean="0"/>
-              <a:t>2022-05-05</a:t>
+              <a:t>2022-05-09</a:t>
             </a:fld>
             <a:endParaRPr lang="ko-KR" altLang="en-US"/>
           </a:p>
@@ -1083,7 +1083,7 @@
           <a:p>
             <a:fld id="{5CE112B4-F816-48F8-B9B7-203DD44EA2BD}" type="datetimeFigureOut">
               <a:rPr lang="ko-KR" altLang="en-US" smtClean="0"/>
-              <a:t>2022-05-05</a:t>
+              <a:t>2022-05-09</a:t>
             </a:fld>
             <a:endParaRPr lang="ko-KR" altLang="en-US"/>
           </a:p>
@@ -1283,7 +1283,7 @@
           <a:p>
             <a:fld id="{5CE112B4-F816-48F8-B9B7-203DD44EA2BD}" type="datetimeFigureOut">
               <a:rPr lang="ko-KR" altLang="en-US" smtClean="0"/>
-              <a:t>2022-05-05</a:t>
+              <a:t>2022-05-09</a:t>
             </a:fld>
             <a:endParaRPr lang="ko-KR" altLang="en-US"/>
           </a:p>
@@ -1559,7 +1559,7 @@
           <a:p>
             <a:fld id="{5CE112B4-F816-48F8-B9B7-203DD44EA2BD}" type="datetimeFigureOut">
               <a:rPr lang="ko-KR" altLang="en-US" smtClean="0"/>
-              <a:t>2022-05-05</a:t>
+              <a:t>2022-05-09</a:t>
             </a:fld>
             <a:endParaRPr lang="ko-KR" altLang="en-US"/>
           </a:p>
@@ -1827,7 +1827,7 @@
           <a:p>
             <a:fld id="{5CE112B4-F816-48F8-B9B7-203DD44EA2BD}" type="datetimeFigureOut">
               <a:rPr lang="ko-KR" altLang="en-US" smtClean="0"/>
-              <a:t>2022-05-05</a:t>
+              <a:t>2022-05-09</a:t>
             </a:fld>
             <a:endParaRPr lang="ko-KR" altLang="en-US"/>
           </a:p>
@@ -2242,7 +2242,7 @@
           <a:p>
             <a:fld id="{5CE112B4-F816-48F8-B9B7-203DD44EA2BD}" type="datetimeFigureOut">
               <a:rPr lang="ko-KR" altLang="en-US" smtClean="0"/>
-              <a:t>2022-05-05</a:t>
+              <a:t>2022-05-09</a:t>
             </a:fld>
             <a:endParaRPr lang="ko-KR" altLang="en-US"/>
           </a:p>
@@ -2384,7 +2384,7 @@
           <a:p>
             <a:fld id="{5CE112B4-F816-48F8-B9B7-203DD44EA2BD}" type="datetimeFigureOut">
               <a:rPr lang="ko-KR" altLang="en-US" smtClean="0"/>
-              <a:t>2022-05-05</a:t>
+              <a:t>2022-05-09</a:t>
             </a:fld>
             <a:endParaRPr lang="ko-KR" altLang="en-US"/>
           </a:p>
@@ -2497,7 +2497,7 @@
           <a:p>
             <a:fld id="{5CE112B4-F816-48F8-B9B7-203DD44EA2BD}" type="datetimeFigureOut">
               <a:rPr lang="ko-KR" altLang="en-US" smtClean="0"/>
-              <a:t>2022-05-05</a:t>
+              <a:t>2022-05-09</a:t>
             </a:fld>
             <a:endParaRPr lang="ko-KR" altLang="en-US"/>
           </a:p>
@@ -2810,7 +2810,7 @@
           <a:p>
             <a:fld id="{5CE112B4-F816-48F8-B9B7-203DD44EA2BD}" type="datetimeFigureOut">
               <a:rPr lang="ko-KR" altLang="en-US" smtClean="0"/>
-              <a:t>2022-05-05</a:t>
+              <a:t>2022-05-09</a:t>
             </a:fld>
             <a:endParaRPr lang="ko-KR" altLang="en-US"/>
           </a:p>
@@ -3099,7 +3099,7 @@
           <a:p>
             <a:fld id="{5CE112B4-F816-48F8-B9B7-203DD44EA2BD}" type="datetimeFigureOut">
               <a:rPr lang="ko-KR" altLang="en-US" smtClean="0"/>
-              <a:t>2022-05-05</a:t>
+              <a:t>2022-05-09</a:t>
             </a:fld>
             <a:endParaRPr lang="ko-KR" altLang="en-US"/>
           </a:p>
@@ -3342,7 +3342,7 @@
           <a:p>
             <a:fld id="{5CE112B4-F816-48F8-B9B7-203DD44EA2BD}" type="datetimeFigureOut">
               <a:rPr lang="ko-KR" altLang="en-US" smtClean="0"/>
-              <a:t>2022-05-05</a:t>
+              <a:t>2022-05-09</a:t>
             </a:fld>
             <a:endParaRPr lang="ko-KR" altLang="en-US"/>
           </a:p>
@@ -5280,12 +5280,241 @@
           </a:p>
         </p:txBody>
       </p:sp>
-      <p:sp>
-        <p:nvSpPr>
-          <p:cNvPr id="7" name="L-Shape 6">
-            <a:extLst>
-              <a:ext uri="{FF2B5EF4-FFF2-40B4-BE49-F238E27FC236}">
-                <a16:creationId xmlns:a16="http://schemas.microsoft.com/office/drawing/2014/main" id="{F4B4C6AA-B7E7-49AF-8927-65286647B365}"/>
+      <p:grpSp>
+        <p:nvGrpSpPr>
+          <p:cNvPr id="19" name="Group 18">
+            <a:extLst>
+              <a:ext uri="{FF2B5EF4-FFF2-40B4-BE49-F238E27FC236}">
+                <a16:creationId xmlns:a16="http://schemas.microsoft.com/office/drawing/2014/main" id="{E876B7CA-B399-8B25-0CF1-A60C477C3DE0}"/>
+              </a:ext>
+            </a:extLst>
+          </p:cNvPr>
+          <p:cNvGrpSpPr/>
+          <p:nvPr/>
+        </p:nvGrpSpPr>
+        <p:grpSpPr>
+          <a:xfrm>
+            <a:off x="6156361" y="823028"/>
+            <a:ext cx="1386205" cy="1437240"/>
+            <a:chOff x="380048" y="894280"/>
+            <a:chExt cx="1386205" cy="1437240"/>
+          </a:xfrm>
+        </p:grpSpPr>
+        <p:sp>
+          <p:nvSpPr>
+            <p:cNvPr id="7" name="L-Shape 6">
+              <a:extLst>
+                <a:ext uri="{FF2B5EF4-FFF2-40B4-BE49-F238E27FC236}">
+                  <a16:creationId xmlns:a16="http://schemas.microsoft.com/office/drawing/2014/main" id="{F4B4C6AA-B7E7-49AF-8927-65286647B365}"/>
+                </a:ext>
+              </a:extLst>
+            </p:cNvPr>
+            <p:cNvSpPr/>
+            <p:nvPr/>
+          </p:nvSpPr>
+          <p:spPr>
+            <a:xfrm>
+              <a:off x="380048" y="1810225"/>
+              <a:ext cx="513223" cy="521295"/>
+            </a:xfrm>
+            <a:prstGeom prst="corner">
+              <a:avLst>
+                <a:gd name="adj1" fmla="val 24019"/>
+                <a:gd name="adj2" fmla="val 26287"/>
+              </a:avLst>
+            </a:prstGeom>
+            <a:solidFill>
+              <a:srgbClr val="C00000"/>
+            </a:solidFill>
+          </p:spPr>
+          <p:style>
+            <a:lnRef idx="2">
+              <a:schemeClr val="accent2">
+                <a:shade val="50000"/>
+              </a:schemeClr>
+            </a:lnRef>
+            <a:fillRef idx="1">
+              <a:schemeClr val="accent2"/>
+            </a:fillRef>
+            <a:effectRef idx="0">
+              <a:schemeClr val="accent2"/>
+            </a:effectRef>
+            <a:fontRef idx="minor">
+              <a:schemeClr val="lt1"/>
+            </a:fontRef>
+          </p:style>
+          <p:txBody>
+            <a:bodyPr rtlCol="0" anchor="ctr"/>
+            <a:lstStyle/>
+            <a:p>
+              <a:pPr algn="ctr"/>
+              <a:endParaRPr lang="ko-KR" altLang="en-US" dirty="0"/>
+            </a:p>
+          </p:txBody>
+        </p:sp>
+        <p:sp>
+          <p:nvSpPr>
+            <p:cNvPr id="8" name="L-Shape 7">
+              <a:extLst>
+                <a:ext uri="{FF2B5EF4-FFF2-40B4-BE49-F238E27FC236}">
+                  <a16:creationId xmlns:a16="http://schemas.microsoft.com/office/drawing/2014/main" id="{5CF70FB2-D9BD-483B-AF2D-F0BF60F614A9}"/>
+                </a:ext>
+              </a:extLst>
+            </p:cNvPr>
+            <p:cNvSpPr/>
+            <p:nvPr/>
+          </p:nvSpPr>
+          <p:spPr>
+            <a:xfrm rot="5400000">
+              <a:off x="384084" y="890244"/>
+              <a:ext cx="513223" cy="521295"/>
+            </a:xfrm>
+            <a:prstGeom prst="corner">
+              <a:avLst>
+                <a:gd name="adj1" fmla="val 24019"/>
+                <a:gd name="adj2" fmla="val 26287"/>
+              </a:avLst>
+            </a:prstGeom>
+            <a:solidFill>
+              <a:srgbClr val="C00000"/>
+            </a:solidFill>
+          </p:spPr>
+          <p:style>
+            <a:lnRef idx="2">
+              <a:schemeClr val="accent2">
+                <a:shade val="50000"/>
+              </a:schemeClr>
+            </a:lnRef>
+            <a:fillRef idx="1">
+              <a:schemeClr val="accent2"/>
+            </a:fillRef>
+            <a:effectRef idx="0">
+              <a:schemeClr val="accent2"/>
+            </a:effectRef>
+            <a:fontRef idx="minor">
+              <a:schemeClr val="lt1"/>
+            </a:fontRef>
+          </p:style>
+          <p:txBody>
+            <a:bodyPr rtlCol="0" anchor="ctr"/>
+            <a:lstStyle/>
+            <a:p>
+              <a:pPr algn="ctr"/>
+              <a:endParaRPr lang="ko-KR" altLang="en-US" dirty="0"/>
+            </a:p>
+          </p:txBody>
+        </p:sp>
+        <p:sp>
+          <p:nvSpPr>
+            <p:cNvPr id="9" name="L-Shape 8">
+              <a:extLst>
+                <a:ext uri="{FF2B5EF4-FFF2-40B4-BE49-F238E27FC236}">
+                  <a16:creationId xmlns:a16="http://schemas.microsoft.com/office/drawing/2014/main" id="{95268847-8E2B-4D77-8544-A9F5464943CD}"/>
+                </a:ext>
+              </a:extLst>
+            </p:cNvPr>
+            <p:cNvSpPr/>
+            <p:nvPr/>
+          </p:nvSpPr>
+          <p:spPr>
+            <a:xfrm rot="10800000">
+              <a:off x="1248994" y="894280"/>
+              <a:ext cx="513223" cy="521295"/>
+            </a:xfrm>
+            <a:prstGeom prst="corner">
+              <a:avLst>
+                <a:gd name="adj1" fmla="val 24019"/>
+                <a:gd name="adj2" fmla="val 26287"/>
+              </a:avLst>
+            </a:prstGeom>
+            <a:solidFill>
+              <a:srgbClr val="C00000"/>
+            </a:solidFill>
+          </p:spPr>
+          <p:style>
+            <a:lnRef idx="2">
+              <a:schemeClr val="accent2">
+                <a:shade val="50000"/>
+              </a:schemeClr>
+            </a:lnRef>
+            <a:fillRef idx="1">
+              <a:schemeClr val="accent2"/>
+            </a:fillRef>
+            <a:effectRef idx="0">
+              <a:schemeClr val="accent2"/>
+            </a:effectRef>
+            <a:fontRef idx="minor">
+              <a:schemeClr val="lt1"/>
+            </a:fontRef>
+          </p:style>
+          <p:txBody>
+            <a:bodyPr rtlCol="0" anchor="ctr"/>
+            <a:lstStyle/>
+            <a:p>
+              <a:pPr algn="ctr"/>
+              <a:endParaRPr lang="ko-KR" altLang="en-US" dirty="0"/>
+            </a:p>
+          </p:txBody>
+        </p:sp>
+        <p:sp>
+          <p:nvSpPr>
+            <p:cNvPr id="10" name="L-Shape 9">
+              <a:extLst>
+                <a:ext uri="{FF2B5EF4-FFF2-40B4-BE49-F238E27FC236}">
+                  <a16:creationId xmlns:a16="http://schemas.microsoft.com/office/drawing/2014/main" id="{A3E4A851-0BEA-4BC4-A3E5-CC5269E6E747}"/>
+                </a:ext>
+              </a:extLst>
+            </p:cNvPr>
+            <p:cNvSpPr/>
+            <p:nvPr/>
+          </p:nvSpPr>
+          <p:spPr>
+            <a:xfrm rot="16200000">
+              <a:off x="1248994" y="1794202"/>
+              <a:ext cx="513223" cy="521295"/>
+            </a:xfrm>
+            <a:prstGeom prst="corner">
+              <a:avLst>
+                <a:gd name="adj1" fmla="val 24019"/>
+                <a:gd name="adj2" fmla="val 26287"/>
+              </a:avLst>
+            </a:prstGeom>
+            <a:solidFill>
+              <a:srgbClr val="C00000"/>
+            </a:solidFill>
+          </p:spPr>
+          <p:style>
+            <a:lnRef idx="2">
+              <a:schemeClr val="accent2">
+                <a:shade val="50000"/>
+              </a:schemeClr>
+            </a:lnRef>
+            <a:fillRef idx="1">
+              <a:schemeClr val="accent2"/>
+            </a:fillRef>
+            <a:effectRef idx="0">
+              <a:schemeClr val="accent2"/>
+            </a:effectRef>
+            <a:fontRef idx="minor">
+              <a:schemeClr val="lt1"/>
+            </a:fontRef>
+          </p:style>
+          <p:txBody>
+            <a:bodyPr rtlCol="0" anchor="ctr"/>
+            <a:lstStyle/>
+            <a:p>
+              <a:pPr algn="ctr"/>
+              <a:endParaRPr lang="ko-KR" altLang="en-US" dirty="0"/>
+            </a:p>
+          </p:txBody>
+        </p:sp>
+      </p:grpSp>
+      <p:sp>
+        <p:nvSpPr>
+          <p:cNvPr id="6" name="Oval 5">
+            <a:extLst>
+              <a:ext uri="{FF2B5EF4-FFF2-40B4-BE49-F238E27FC236}">
+                <a16:creationId xmlns:a16="http://schemas.microsoft.com/office/drawing/2014/main" id="{26293651-BD65-4C38-A451-8CEE7311DCFA}"/>
               </a:ext>
             </a:extLst>
           </p:cNvPr>
@@ -5294,215 +5523,7 @@
         </p:nvSpPr>
         <p:spPr>
           <a:xfrm>
-            <a:off x="380048" y="1810225"/>
-            <a:ext cx="513223" cy="521295"/>
-          </a:xfrm>
-          <a:prstGeom prst="corner">
-            <a:avLst>
-              <a:gd name="adj1" fmla="val 24019"/>
-              <a:gd name="adj2" fmla="val 26287"/>
-            </a:avLst>
-          </a:prstGeom>
-          <a:solidFill>
-            <a:srgbClr val="C00000"/>
-          </a:solidFill>
-        </p:spPr>
-        <p:style>
-          <a:lnRef idx="2">
-            <a:schemeClr val="accent2">
-              <a:shade val="50000"/>
-            </a:schemeClr>
-          </a:lnRef>
-          <a:fillRef idx="1">
-            <a:schemeClr val="accent2"/>
-          </a:fillRef>
-          <a:effectRef idx="0">
-            <a:schemeClr val="accent2"/>
-          </a:effectRef>
-          <a:fontRef idx="minor">
-            <a:schemeClr val="lt1"/>
-          </a:fontRef>
-        </p:style>
-        <p:txBody>
-          <a:bodyPr rtlCol="0" anchor="ctr"/>
-          <a:lstStyle/>
-          <a:p>
-            <a:pPr algn="ctr"/>
-            <a:endParaRPr lang="ko-KR" altLang="en-US" dirty="0"/>
-          </a:p>
-        </p:txBody>
-      </p:sp>
-      <p:sp>
-        <p:nvSpPr>
-          <p:cNvPr id="8" name="L-Shape 7">
-            <a:extLst>
-              <a:ext uri="{FF2B5EF4-FFF2-40B4-BE49-F238E27FC236}">
-                <a16:creationId xmlns:a16="http://schemas.microsoft.com/office/drawing/2014/main" id="{5CF70FB2-D9BD-483B-AF2D-F0BF60F614A9}"/>
-              </a:ext>
-            </a:extLst>
-          </p:cNvPr>
-          <p:cNvSpPr/>
-          <p:nvPr/>
-        </p:nvSpPr>
-        <p:spPr>
-          <a:xfrm rot="5400000">
-            <a:off x="384084" y="890244"/>
-            <a:ext cx="513223" cy="521295"/>
-          </a:xfrm>
-          <a:prstGeom prst="corner">
-            <a:avLst>
-              <a:gd name="adj1" fmla="val 24019"/>
-              <a:gd name="adj2" fmla="val 26287"/>
-            </a:avLst>
-          </a:prstGeom>
-          <a:solidFill>
-            <a:srgbClr val="C00000"/>
-          </a:solidFill>
-        </p:spPr>
-        <p:style>
-          <a:lnRef idx="2">
-            <a:schemeClr val="accent2">
-              <a:shade val="50000"/>
-            </a:schemeClr>
-          </a:lnRef>
-          <a:fillRef idx="1">
-            <a:schemeClr val="accent2"/>
-          </a:fillRef>
-          <a:effectRef idx="0">
-            <a:schemeClr val="accent2"/>
-          </a:effectRef>
-          <a:fontRef idx="minor">
-            <a:schemeClr val="lt1"/>
-          </a:fontRef>
-        </p:style>
-        <p:txBody>
-          <a:bodyPr rtlCol="0" anchor="ctr"/>
-          <a:lstStyle/>
-          <a:p>
-            <a:pPr algn="ctr"/>
-            <a:endParaRPr lang="ko-KR" altLang="en-US" dirty="0"/>
-          </a:p>
-        </p:txBody>
-      </p:sp>
-      <p:sp>
-        <p:nvSpPr>
-          <p:cNvPr id="9" name="L-Shape 8">
-            <a:extLst>
-              <a:ext uri="{FF2B5EF4-FFF2-40B4-BE49-F238E27FC236}">
-                <a16:creationId xmlns:a16="http://schemas.microsoft.com/office/drawing/2014/main" id="{95268847-8E2B-4D77-8544-A9F5464943CD}"/>
-              </a:ext>
-            </a:extLst>
-          </p:cNvPr>
-          <p:cNvSpPr/>
-          <p:nvPr/>
-        </p:nvSpPr>
-        <p:spPr>
-          <a:xfrm rot="10800000">
-            <a:off x="1248994" y="894280"/>
-            <a:ext cx="513223" cy="521295"/>
-          </a:xfrm>
-          <a:prstGeom prst="corner">
-            <a:avLst>
-              <a:gd name="adj1" fmla="val 24019"/>
-              <a:gd name="adj2" fmla="val 26287"/>
-            </a:avLst>
-          </a:prstGeom>
-          <a:solidFill>
-            <a:srgbClr val="C00000"/>
-          </a:solidFill>
-        </p:spPr>
-        <p:style>
-          <a:lnRef idx="2">
-            <a:schemeClr val="accent2">
-              <a:shade val="50000"/>
-            </a:schemeClr>
-          </a:lnRef>
-          <a:fillRef idx="1">
-            <a:schemeClr val="accent2"/>
-          </a:fillRef>
-          <a:effectRef idx="0">
-            <a:schemeClr val="accent2"/>
-          </a:effectRef>
-          <a:fontRef idx="minor">
-            <a:schemeClr val="lt1"/>
-          </a:fontRef>
-        </p:style>
-        <p:txBody>
-          <a:bodyPr rtlCol="0" anchor="ctr"/>
-          <a:lstStyle/>
-          <a:p>
-            <a:pPr algn="ctr"/>
-            <a:endParaRPr lang="ko-KR" altLang="en-US" dirty="0"/>
-          </a:p>
-        </p:txBody>
-      </p:sp>
-      <p:sp>
-        <p:nvSpPr>
-          <p:cNvPr id="10" name="L-Shape 9">
-            <a:extLst>
-              <a:ext uri="{FF2B5EF4-FFF2-40B4-BE49-F238E27FC236}">
-                <a16:creationId xmlns:a16="http://schemas.microsoft.com/office/drawing/2014/main" id="{A3E4A851-0BEA-4BC4-A3E5-CC5269E6E747}"/>
-              </a:ext>
-            </a:extLst>
-          </p:cNvPr>
-          <p:cNvSpPr/>
-          <p:nvPr/>
-        </p:nvSpPr>
-        <p:spPr>
-          <a:xfrm rot="16200000">
-            <a:off x="1248994" y="1794202"/>
-            <a:ext cx="513223" cy="521295"/>
-          </a:xfrm>
-          <a:prstGeom prst="corner">
-            <a:avLst>
-              <a:gd name="adj1" fmla="val 24019"/>
-              <a:gd name="adj2" fmla="val 26287"/>
-            </a:avLst>
-          </a:prstGeom>
-          <a:solidFill>
-            <a:srgbClr val="C00000"/>
-          </a:solidFill>
-        </p:spPr>
-        <p:style>
-          <a:lnRef idx="2">
-            <a:schemeClr val="accent2">
-              <a:shade val="50000"/>
-            </a:schemeClr>
-          </a:lnRef>
-          <a:fillRef idx="1">
-            <a:schemeClr val="accent2"/>
-          </a:fillRef>
-          <a:effectRef idx="0">
-            <a:schemeClr val="accent2"/>
-          </a:effectRef>
-          <a:fontRef idx="minor">
-            <a:schemeClr val="lt1"/>
-          </a:fontRef>
-        </p:style>
-        <p:txBody>
-          <a:bodyPr rtlCol="0" anchor="ctr"/>
-          <a:lstStyle/>
-          <a:p>
-            <a:pPr algn="ctr"/>
-            <a:endParaRPr lang="ko-KR" altLang="en-US" dirty="0"/>
-          </a:p>
-        </p:txBody>
-      </p:sp>
-      <p:sp>
-        <p:nvSpPr>
-          <p:cNvPr id="6" name="Oval 5">
-            <a:extLst>
-              <a:ext uri="{FF2B5EF4-FFF2-40B4-BE49-F238E27FC236}">
-                <a16:creationId xmlns:a16="http://schemas.microsoft.com/office/drawing/2014/main" id="{26293651-BD65-4C38-A451-8CEE7311DCFA}"/>
-              </a:ext>
-            </a:extLst>
-          </p:cNvPr>
-          <p:cNvSpPr/>
-          <p:nvPr/>
-        </p:nvSpPr>
-        <p:spPr>
-          <a:xfrm>
-            <a:off x="1098468" y="3574473"/>
+            <a:off x="837184" y="2765045"/>
             <a:ext cx="237506" cy="225631"/>
           </a:xfrm>
           <a:prstGeom prst="ellipse">
@@ -5554,7 +5575,7 @@
         </p:nvSpPr>
         <p:spPr>
           <a:xfrm>
-            <a:off x="1892300" y="3574472"/>
+            <a:off x="431635" y="2742458"/>
             <a:ext cx="237506" cy="225631"/>
           </a:xfrm>
           <a:prstGeom prst="ellipse">
@@ -5649,7 +5670,7 @@
         </p:blipFill>
         <p:spPr>
           <a:xfrm>
-            <a:off x="733058" y="4418627"/>
+            <a:off x="347207" y="4450009"/>
             <a:ext cx="1545093" cy="1545093"/>
           </a:xfrm>
           <a:prstGeom prst="rect">
@@ -5686,7 +5707,7 @@
         </p:blipFill>
         <p:spPr bwMode="auto">
           <a:xfrm>
-            <a:off x="2115136" y="4418627"/>
+            <a:off x="1892300" y="4450009"/>
             <a:ext cx="1340584" cy="1734968"/>
           </a:xfrm>
           <a:prstGeom prst="rect">
@@ -5733,8 +5754,8 @@
         </p:blipFill>
         <p:spPr bwMode="auto">
           <a:xfrm>
-            <a:off x="6400802" y="145472"/>
-            <a:ext cx="4783137" cy="6858000"/>
+            <a:off x="9292027" y="152580"/>
+            <a:ext cx="2523504" cy="3618167"/>
           </a:xfrm>
           <a:prstGeom prst="rect">
             <a:avLst/>
@@ -5846,7 +5867,7 @@
         </p:blipFill>
         <p:spPr bwMode="auto">
           <a:xfrm>
-            <a:off x="2176675" y="2794812"/>
+            <a:off x="1199009" y="2569180"/>
             <a:ext cx="1215021" cy="1312223"/>
           </a:xfrm>
           <a:prstGeom prst="rect">
@@ -5911,8 +5932,8 @@
         </p:blipFill>
         <p:spPr>
           <a:xfrm>
-            <a:off x="2598388" y="1961664"/>
-            <a:ext cx="2476500" cy="2667000"/>
+            <a:off x="3491951" y="2457420"/>
+            <a:ext cx="1520989" cy="1637988"/>
           </a:xfrm>
           <a:prstGeom prst="rect">
             <a:avLst/>
@@ -5941,8 +5962,8 @@
         </p:blipFill>
         <p:spPr>
           <a:xfrm>
-            <a:off x="2984239" y="4450009"/>
-            <a:ext cx="1905000" cy="1905000"/>
+            <a:off x="2785468" y="4478656"/>
+            <a:ext cx="1621432" cy="1621432"/>
           </a:xfrm>
           <a:prstGeom prst="rect">
             <a:avLst/>
@@ -5951,49 +5972,6 @@
       </p:pic>
       <p:pic>
         <p:nvPicPr>
-          <p:cNvPr id="16" name="Picture 2" descr="Swap Logo Images – Browse 7,698 Stock Photos, Vectors, and Video | Adobe  Stock">
-            <a:extLst>
-              <a:ext uri="{FF2B5EF4-FFF2-40B4-BE49-F238E27FC236}">
-                <a16:creationId xmlns:a16="http://schemas.microsoft.com/office/drawing/2014/main" id="{877E806C-B4FE-E121-9690-2562DE6A0316}"/>
-              </a:ext>
-            </a:extLst>
-          </p:cNvPr>
-          <p:cNvPicPr>
-            <a:picLocks noChangeAspect="1" noChangeArrowheads="1"/>
-          </p:cNvPicPr>
-          <p:nvPr/>
-        </p:nvPicPr>
-        <p:blipFill>
-          <a:blip r:embed="rId11">
-            <a:extLst>
-              <a:ext uri="{28A0092B-C50C-407E-A947-70E740481C1C}">
-                <a14:useLocalDpi xmlns:a14="http://schemas.microsoft.com/office/drawing/2010/main" val="0"/>
-              </a:ext>
-            </a:extLst>
-          </a:blip>
-          <a:srcRect/>
-          <a:stretch>
-            <a:fillRect/>
-          </a:stretch>
-        </p:blipFill>
-        <p:spPr bwMode="auto">
-          <a:xfrm>
-            <a:off x="4567418" y="3322521"/>
-            <a:ext cx="1096106" cy="1096106"/>
-          </a:xfrm>
-          <a:prstGeom prst="rect">
-            <a:avLst/>
-          </a:prstGeom>
-          <a:solidFill>
-            <a:schemeClr val="accent1"/>
-          </a:solidFill>
-          <a:ln>
-            <a:noFill/>
-          </a:ln>
-        </p:spPr>
-      </p:pic>
-      <p:pic>
-        <p:nvPicPr>
           <p:cNvPr id="18" name="Picture 17">
             <a:extLst>
               <a:ext uri="{FF2B5EF4-FFF2-40B4-BE49-F238E27FC236}">
@@ -6007,7 +5985,7 @@
           <p:nvPr/>
         </p:nvPicPr>
         <p:blipFill>
-          <a:blip r:embed="rId12">
+          <a:blip r:embed="rId11">
             <a:duotone>
               <a:schemeClr val="accent2">
                 <a:shade val="45000"/>
@@ -6018,7 +5996,7 @@
             <a:extLst>
               <a:ext uri="{BEBA8EAE-BF5A-486C-A8C5-ECC9F3942E4B}">
                 <a14:imgProps xmlns:a14="http://schemas.microsoft.com/office/drawing/2010/main">
-                  <a14:imgLayer r:embed="rId13">
+                  <a14:imgLayer r:embed="rId12">
                     <a14:imgEffect>
                       <a14:backgroundRemoval t="2449" b="96837" l="10000" r="90543">
                         <a14:foregroundMark x1="56630" y1="22245" x2="56630" y2="22245"/>
@@ -6040,7 +6018,7 @@
         </p:blipFill>
         <p:spPr>
           <a:xfrm>
-            <a:off x="4588383" y="2495468"/>
+            <a:off x="2395844" y="2742458"/>
             <a:ext cx="1096107" cy="1167592"/>
           </a:xfrm>
           <a:prstGeom prst="rect">
@@ -6063,7 +6041,7 @@
           <p:nvPr/>
         </p:nvPicPr>
         <p:blipFill>
-          <a:blip r:embed="rId14">
+          <a:blip r:embed="rId13">
             <a:duotone>
               <a:prstClr val="black"/>
               <a:schemeClr val="accent2">
@@ -6074,7 +6052,7 @@
             <a:extLst>
               <a:ext uri="{BEBA8EAE-BF5A-486C-A8C5-ECC9F3942E4B}">
                 <a14:imgProps xmlns:a14="http://schemas.microsoft.com/office/drawing/2010/main">
-                  <a14:imgLayer r:embed="rId15">
+                  <a14:imgLayer r:embed="rId14">
                     <a14:imgEffect>
                       <a14:backgroundRemoval t="3711" b="94727" l="6250" r="94141">
                         <a14:foregroundMark x1="94141" y1="27344" x2="94141" y2="27344"/>
@@ -6112,7 +6090,7 @@
         </p:blipFill>
         <p:spPr>
           <a:xfrm>
-            <a:off x="4822558" y="4593855"/>
+            <a:off x="4817419" y="2607961"/>
             <a:ext cx="1273442" cy="1273442"/>
           </a:xfrm>
           <a:prstGeom prst="rect">

--- a/Presentation1.pptx
+++ b/Presentation1.pptx
@@ -673,7 +673,7 @@
           <a:p>
             <a:fld id="{5CE112B4-F816-48F8-B9B7-203DD44EA2BD}" type="datetimeFigureOut">
               <a:rPr lang="ko-KR" altLang="en-US" smtClean="0"/>
-              <a:t>2022-05-09</a:t>
+              <a:t>2022-05-28</a:t>
             </a:fld>
             <a:endParaRPr lang="ko-KR" altLang="en-US"/>
           </a:p>
@@ -873,7 +873,7 @@
           <a:p>
             <a:fld id="{5CE112B4-F816-48F8-B9B7-203DD44EA2BD}" type="datetimeFigureOut">
               <a:rPr lang="ko-KR" altLang="en-US" smtClean="0"/>
-              <a:t>2022-05-09</a:t>
+              <a:t>2022-05-28</a:t>
             </a:fld>
             <a:endParaRPr lang="ko-KR" altLang="en-US"/>
           </a:p>
@@ -1083,7 +1083,7 @@
           <a:p>
             <a:fld id="{5CE112B4-F816-48F8-B9B7-203DD44EA2BD}" type="datetimeFigureOut">
               <a:rPr lang="ko-KR" altLang="en-US" smtClean="0"/>
-              <a:t>2022-05-09</a:t>
+              <a:t>2022-05-28</a:t>
             </a:fld>
             <a:endParaRPr lang="ko-KR" altLang="en-US"/>
           </a:p>
@@ -1283,7 +1283,7 @@
           <a:p>
             <a:fld id="{5CE112B4-F816-48F8-B9B7-203DD44EA2BD}" type="datetimeFigureOut">
               <a:rPr lang="ko-KR" altLang="en-US" smtClean="0"/>
-              <a:t>2022-05-09</a:t>
+              <a:t>2022-05-28</a:t>
             </a:fld>
             <a:endParaRPr lang="ko-KR" altLang="en-US"/>
           </a:p>
@@ -1559,7 +1559,7 @@
           <a:p>
             <a:fld id="{5CE112B4-F816-48F8-B9B7-203DD44EA2BD}" type="datetimeFigureOut">
               <a:rPr lang="ko-KR" altLang="en-US" smtClean="0"/>
-              <a:t>2022-05-09</a:t>
+              <a:t>2022-05-28</a:t>
             </a:fld>
             <a:endParaRPr lang="ko-KR" altLang="en-US"/>
           </a:p>
@@ -1827,7 +1827,7 @@
           <a:p>
             <a:fld id="{5CE112B4-F816-48F8-B9B7-203DD44EA2BD}" type="datetimeFigureOut">
               <a:rPr lang="ko-KR" altLang="en-US" smtClean="0"/>
-              <a:t>2022-05-09</a:t>
+              <a:t>2022-05-28</a:t>
             </a:fld>
             <a:endParaRPr lang="ko-KR" altLang="en-US"/>
           </a:p>
@@ -2242,7 +2242,7 @@
           <a:p>
             <a:fld id="{5CE112B4-F816-48F8-B9B7-203DD44EA2BD}" type="datetimeFigureOut">
               <a:rPr lang="ko-KR" altLang="en-US" smtClean="0"/>
-              <a:t>2022-05-09</a:t>
+              <a:t>2022-05-28</a:t>
             </a:fld>
             <a:endParaRPr lang="ko-KR" altLang="en-US"/>
           </a:p>
@@ -2384,7 +2384,7 @@
           <a:p>
             <a:fld id="{5CE112B4-F816-48F8-B9B7-203DD44EA2BD}" type="datetimeFigureOut">
               <a:rPr lang="ko-KR" altLang="en-US" smtClean="0"/>
-              <a:t>2022-05-09</a:t>
+              <a:t>2022-05-28</a:t>
             </a:fld>
             <a:endParaRPr lang="ko-KR" altLang="en-US"/>
           </a:p>
@@ -2497,7 +2497,7 @@
           <a:p>
             <a:fld id="{5CE112B4-F816-48F8-B9B7-203DD44EA2BD}" type="datetimeFigureOut">
               <a:rPr lang="ko-KR" altLang="en-US" smtClean="0"/>
-              <a:t>2022-05-09</a:t>
+              <a:t>2022-05-28</a:t>
             </a:fld>
             <a:endParaRPr lang="ko-KR" altLang="en-US"/>
           </a:p>
@@ -2810,7 +2810,7 @@
           <a:p>
             <a:fld id="{5CE112B4-F816-48F8-B9B7-203DD44EA2BD}" type="datetimeFigureOut">
               <a:rPr lang="ko-KR" altLang="en-US" smtClean="0"/>
-              <a:t>2022-05-09</a:t>
+              <a:t>2022-05-28</a:t>
             </a:fld>
             <a:endParaRPr lang="ko-KR" altLang="en-US"/>
           </a:p>
@@ -3099,7 +3099,7 @@
           <a:p>
             <a:fld id="{5CE112B4-F816-48F8-B9B7-203DD44EA2BD}" type="datetimeFigureOut">
               <a:rPr lang="ko-KR" altLang="en-US" smtClean="0"/>
-              <a:t>2022-05-09</a:t>
+              <a:t>2022-05-28</a:t>
             </a:fld>
             <a:endParaRPr lang="ko-KR" altLang="en-US"/>
           </a:p>
@@ -3342,7 +3342,7 @@
           <a:p>
             <a:fld id="{5CE112B4-F816-48F8-B9B7-203DD44EA2BD}" type="datetimeFigureOut">
               <a:rPr lang="ko-KR" altLang="en-US" smtClean="0"/>
-              <a:t>2022-05-09</a:t>
+              <a:t>2022-05-28</a:t>
             </a:fld>
             <a:endParaRPr lang="ko-KR" altLang="en-US"/>
           </a:p>
@@ -6098,6 +6098,44 @@
           </a:prstGeom>
         </p:spPr>
       </p:pic>
+      <p:pic>
+        <p:nvPicPr>
+          <p:cNvPr id="16" name="그림 15">
+            <a:extLst>
+              <a:ext uri="{FF2B5EF4-FFF2-40B4-BE49-F238E27FC236}">
+                <a16:creationId xmlns:a16="http://schemas.microsoft.com/office/drawing/2014/main" id="{C5CD067E-A762-A487-7BB9-B0BC64997875}"/>
+              </a:ext>
+            </a:extLst>
+          </p:cNvPr>
+          <p:cNvPicPr>
+            <a:picLocks noChangeAspect="1"/>
+          </p:cNvPicPr>
+          <p:nvPr/>
+        </p:nvPicPr>
+        <p:blipFill>
+          <a:blip r:embed="rId15">
+            <a:duotone>
+              <a:schemeClr val="accent2">
+                <a:shade val="45000"/>
+                <a:satMod val="135000"/>
+              </a:schemeClr>
+              <a:prstClr val="white"/>
+            </a:duotone>
+          </a:blip>
+          <a:stretch>
+            <a:fillRect/>
+          </a:stretch>
+        </p:blipFill>
+        <p:spPr>
+          <a:xfrm>
+            <a:off x="4451976" y="4245802"/>
+            <a:ext cx="1853933" cy="1853933"/>
+          </a:xfrm>
+          <a:prstGeom prst="rect">
+            <a:avLst/>
+          </a:prstGeom>
+        </p:spPr>
+      </p:pic>
     </p:spTree>
     <p:extLst>
       <p:ext uri="{BB962C8B-B14F-4D97-AF65-F5344CB8AC3E}">
